--- a/RxJava 简介.pptx
+++ b/RxJava 简介.pptx
@@ -12,14 +12,17 @@
     <p:sldId id="259" r:id="rId6"/>
     <p:sldId id="261" r:id="rId7"/>
     <p:sldId id="262" r:id="rId8"/>
-    <p:sldId id="264" r:id="rId9"/>
-    <p:sldId id="260" r:id="rId10"/>
-    <p:sldId id="265" r:id="rId11"/>
-    <p:sldId id="266" r:id="rId12"/>
-    <p:sldId id="269" r:id="rId13"/>
-    <p:sldId id="270" r:id="rId14"/>
-    <p:sldId id="263" r:id="rId15"/>
-    <p:sldId id="268" r:id="rId16"/>
+    <p:sldId id="265" r:id="rId9"/>
+    <p:sldId id="266" r:id="rId10"/>
+    <p:sldId id="269" r:id="rId11"/>
+    <p:sldId id="270" r:id="rId12"/>
+    <p:sldId id="264" r:id="rId13"/>
+    <p:sldId id="271" r:id="rId14"/>
+    <p:sldId id="272" r:id="rId15"/>
+    <p:sldId id="273" r:id="rId16"/>
+    <p:sldId id="263" r:id="rId17"/>
+    <p:sldId id="268" r:id="rId18"/>
+    <p:sldId id="274" r:id="rId19"/>
   </p:sldIdLst>
   <p:sldSz cx="9144000" cy="6858000" type="screen4x3"/>
   <p:notesSz cx="6858000" cy="9144000"/>
@@ -3156,8 +3159,12 @@
           <a:lstStyle/>
           <a:p>
             <a:r>
+              <a:rPr lang="zh-CN" altLang="en-US" dirty="0"/>
+              <a:t>近</a:t>
+            </a:r>
+            <a:r>
               <a:rPr lang="zh-CN" altLang="en-US" dirty="0" smtClean="0"/>
-              <a:t>尽自己绵薄之力</a:t>
+              <a:t>绵薄之力</a:t>
             </a:r>
             <a:endParaRPr lang="en-US" altLang="zh-CN" dirty="0" smtClean="0"/>
           </a:p>
@@ -3205,97 +3212,46 @@
       </p:grpSpPr>
       <p:sp>
         <p:nvSpPr>
-          <p:cNvPr id="2" name="标题 1"/>
-          <p:cNvSpPr>
-            <a:spLocks noGrp="1"/>
-          </p:cNvSpPr>
-          <p:nvPr>
-            <p:ph type="title"/>
-          </p:nvPr>
-        </p:nvSpPr>
-        <p:spPr/>
+          <p:cNvPr id="3" name="内容占位符 2"/>
+          <p:cNvSpPr>
+            <a:spLocks noGrp="1"/>
+          </p:cNvSpPr>
+          <p:nvPr>
+            <p:ph idx="1"/>
+          </p:nvPr>
+        </p:nvSpPr>
+        <p:spPr>
+          <a:xfrm>
+            <a:off x="457200" y="404664"/>
+            <a:ext cx="8229600" cy="5721499"/>
+          </a:xfrm>
+        </p:spPr>
         <p:txBody>
           <a:bodyPr/>
           <a:lstStyle/>
           <a:p>
-            <a:r>
-              <a:rPr lang="en-US" altLang="zh-CN" dirty="0" smtClean="0"/>
-              <a:t>Scheduler</a:t>
-            </a:r>
-            <a:r>
-              <a:rPr lang="zh-CN" altLang="en-US" dirty="0" smtClean="0"/>
-              <a:t>的原理</a:t>
-            </a:r>
-            <a:endParaRPr lang="zh-CN" altLang="en-US" dirty="0"/>
-          </a:p>
-        </p:txBody>
-      </p:sp>
-      <p:sp>
-        <p:nvSpPr>
-          <p:cNvPr id="3" name="内容占位符 2"/>
-          <p:cNvSpPr>
-            <a:spLocks noGrp="1"/>
-          </p:cNvSpPr>
-          <p:nvPr>
-            <p:ph idx="1"/>
-          </p:nvPr>
-        </p:nvSpPr>
-        <p:spPr/>
-        <p:txBody>
-          <a:bodyPr>
-            <a:normAutofit/>
-          </a:bodyPr>
-          <a:lstStyle/>
-          <a:p>
-            <a:r>
-              <a:rPr lang="zh-CN" altLang="en-US" dirty="0" smtClean="0"/>
-              <a:t>一、变换</a:t>
-            </a:r>
-            <a:endParaRPr lang="en-US" altLang="zh-CN" dirty="0" smtClean="0"/>
-          </a:p>
-          <a:p>
             <a:pPr marL="0" indent="0">
               <a:buNone/>
             </a:pPr>
             <a:r>
-              <a:rPr lang="en-US" altLang="zh-CN" dirty="0"/>
-              <a:t> </a:t>
-            </a:r>
-            <a:r>
-              <a:rPr lang="en-US" altLang="zh-CN" dirty="0" smtClean="0"/>
-              <a:t>  </a:t>
-            </a:r>
-            <a:r>
-              <a:rPr lang="en-US" altLang="zh-CN" sz="2400" dirty="0" smtClean="0"/>
-              <a:t> </a:t>
-            </a:r>
-            <a:r>
-              <a:rPr lang="zh-CN" altLang="en-US" sz="2400" dirty="0" smtClean="0"/>
-              <a:t>将事件序列中的对象或整个事件序列进行加工处理，转换成不同是对象或事件序列。</a:t>
-            </a:r>
-            <a:endParaRPr lang="en-US" altLang="zh-CN" sz="2400" dirty="0" smtClean="0"/>
-          </a:p>
-          <a:p>
-            <a:pPr marL="0" indent="0">
-              <a:buNone/>
-            </a:pPr>
-            <a:endParaRPr lang="en-US" altLang="zh-CN" sz="2400" dirty="0"/>
-          </a:p>
-          <a:p>
-            <a:pPr marL="0" indent="0">
-              <a:buNone/>
-            </a:pPr>
-            <a:r>
-              <a:rPr lang="en-US" altLang="zh-CN" sz="2000" dirty="0" smtClean="0"/>
-              <a:t>1</a:t>
-            </a:r>
-            <a:r>
-              <a:rPr lang="zh-CN" altLang="en-US" sz="2000" dirty="0" smtClean="0"/>
-              <a:t>、</a:t>
-            </a:r>
-            <a:r>
-              <a:rPr lang="en-US" altLang="zh-CN" sz="2000" dirty="0" smtClean="0"/>
-              <a:t>map</a:t>
+              <a:rPr lang="en-US" altLang="zh-CN" sz="2800" dirty="0"/>
+              <a:t>2</a:t>
+            </a:r>
+            <a:r>
+              <a:rPr lang="en-US" altLang="zh-CN" sz="2800" dirty="0" smtClean="0"/>
+              <a:t>)</a:t>
+            </a:r>
+            <a:r>
+              <a:rPr lang="zh-CN" altLang="en-US" sz="2800" dirty="0" smtClean="0"/>
+              <a:t>  变换</a:t>
+            </a:r>
+            <a:r>
+              <a:rPr lang="zh-CN" altLang="en-US" sz="2800" dirty="0"/>
+              <a:t>的原理  </a:t>
+            </a:r>
+            <a:r>
+              <a:rPr lang="en-US" altLang="zh-CN" sz="2800" dirty="0"/>
+              <a:t>lift</a:t>
             </a:r>
           </a:p>
           <a:p>
@@ -3312,38 +3268,154 @@
             </a:r>
             <a:r>
               <a:rPr lang="zh-CN" altLang="en-US" sz="2000" dirty="0" smtClean="0"/>
-              <a:t>一对一的变换，最简单的变化。</a:t>
+              <a:t>在</a:t>
             </a:r>
             <a:r>
               <a:rPr lang="en-US" altLang="zh-CN" sz="2000" dirty="0" smtClean="0"/>
-              <a:t>Map()</a:t>
+              <a:t>Observable</a:t>
             </a:r>
             <a:r>
               <a:rPr lang="zh-CN" altLang="en-US" sz="2000" dirty="0" smtClean="0"/>
-              <a:t>示意图如图</a:t>
+              <a:t>执行了</a:t>
             </a:r>
             <a:r>
               <a:rPr lang="en-US" altLang="zh-CN" sz="2000" dirty="0" smtClean="0"/>
-              <a:t>1-1</a:t>
+              <a:t>lift</a:t>
             </a:r>
             <a:r>
               <a:rPr lang="zh-CN" altLang="en-US" sz="2000" dirty="0" smtClean="0"/>
-              <a:t>：</a:t>
-            </a:r>
-            <a:endParaRPr lang="en-US" altLang="zh-CN" sz="2000" dirty="0" smtClean="0"/>
+              <a:t>（</a:t>
+            </a:r>
+            <a:r>
+              <a:rPr lang="en-US" altLang="zh-CN" sz="2000" dirty="0" smtClean="0"/>
+              <a:t>Operator</a:t>
+            </a:r>
+            <a:r>
+              <a:rPr lang="zh-CN" altLang="en-US" sz="2000" dirty="0" smtClean="0"/>
+              <a:t>）方法之后，会返回一个新的</a:t>
+            </a:r>
+            <a:r>
+              <a:rPr lang="en-US" altLang="zh-CN" sz="2000" dirty="0" smtClean="0"/>
+              <a:t>Observable</a:t>
+            </a:r>
+            <a:r>
+              <a:rPr lang="zh-CN" altLang="en-US" sz="2000" dirty="0" smtClean="0"/>
+              <a:t>，这个新的</a:t>
+            </a:r>
+            <a:r>
+              <a:rPr lang="en-US" altLang="zh-CN" sz="2000" dirty="0" smtClean="0"/>
+              <a:t>Observable</a:t>
+            </a:r>
+            <a:r>
+              <a:rPr lang="zh-CN" altLang="en-US" sz="2000" dirty="0" smtClean="0"/>
+              <a:t>会像一个代理一样，负责接收原始的</a:t>
+            </a:r>
+            <a:r>
+              <a:rPr lang="en-US" altLang="zh-CN" sz="2000" dirty="0" smtClean="0"/>
+              <a:t>Observable</a:t>
+            </a:r>
+            <a:r>
+              <a:rPr lang="zh-CN" altLang="en-US" sz="2000" dirty="0" smtClean="0"/>
+              <a:t>发出的事件，并在处理后发送给</a:t>
+            </a:r>
+            <a:r>
+              <a:rPr lang="en-US" altLang="zh-CN" sz="2000" dirty="0" smtClean="0"/>
+              <a:t>Subscriber</a:t>
+            </a:r>
+            <a:r>
+              <a:rPr lang="zh-CN" altLang="en-US" sz="2000" dirty="0" smtClean="0"/>
+              <a:t>。</a:t>
+            </a:r>
+            <a:endParaRPr lang="en-US" altLang="zh-CN" sz="2000" dirty="0"/>
           </a:p>
           <a:p>
             <a:pPr marL="0" indent="0">
               <a:buNone/>
             </a:pPr>
-            <a:endParaRPr lang="en-US" altLang="zh-CN" sz="2400" dirty="0" smtClean="0"/>
+            <a:endParaRPr lang="zh-CN" altLang="en-US" dirty="0"/>
+          </a:p>
+        </p:txBody>
+      </p:sp>
+      <p:pic>
+        <p:nvPicPr>
+          <p:cNvPr id="4" name="图片 3"/>
+          <p:cNvPicPr>
+            <a:picLocks noChangeAspect="1"/>
+          </p:cNvPicPr>
+          <p:nvPr/>
+        </p:nvPicPr>
+        <p:blipFill>
+          <a:blip r:embed="rId2">
+            <a:extLst>
+              <a:ext uri="{28A0092B-C50C-407E-A947-70E740481C1C}">
+                <a14:useLocalDpi xmlns:a14="http://schemas.microsoft.com/office/drawing/2010/main" val="0"/>
+              </a:ext>
+            </a:extLst>
+          </a:blip>
+          <a:stretch>
+            <a:fillRect/>
+          </a:stretch>
+        </p:blipFill>
+        <p:spPr>
+          <a:xfrm>
+            <a:off x="999828" y="2060848"/>
+            <a:ext cx="3721025" cy="3829932"/>
+          </a:xfrm>
+          <a:prstGeom prst="rect">
+            <a:avLst/>
+          </a:prstGeom>
+        </p:spPr>
+      </p:pic>
+      <p:sp>
+        <p:nvSpPr>
+          <p:cNvPr id="5" name="TextBox 4"/>
+          <p:cNvSpPr txBox="1"/>
+          <p:nvPr/>
+        </p:nvSpPr>
+        <p:spPr>
+          <a:xfrm>
+            <a:off x="5364088" y="3284984"/>
+            <a:ext cx="2162772" cy="338554"/>
+          </a:xfrm>
+          <a:prstGeom prst="rect">
+            <a:avLst/>
+          </a:prstGeom>
+          <a:noFill/>
+        </p:spPr>
+        <p:txBody>
+          <a:bodyPr wrap="none" rtlCol="0">
+            <a:spAutoFit/>
+          </a:bodyPr>
+          <a:lstStyle/>
+          <a:p>
+            <a:r>
+              <a:rPr lang="zh-CN" altLang="en-US" sz="1600" dirty="0" smtClean="0"/>
+              <a:t>图</a:t>
+            </a:r>
+            <a:r>
+              <a:rPr lang="en-US" altLang="zh-CN" sz="1600" dirty="0" smtClean="0"/>
+              <a:t>1-3 </a:t>
+            </a:r>
+            <a:r>
+              <a:rPr lang="zh-CN" altLang="en-US" sz="1600" dirty="0" smtClean="0"/>
+              <a:t>多个</a:t>
+            </a:r>
+            <a:r>
+              <a:rPr lang="en-US" altLang="zh-CN" sz="1600" dirty="0" smtClean="0"/>
+              <a:t>lift</a:t>
+            </a:r>
+            <a:r>
+              <a:rPr lang="zh-CN" altLang="en-US" sz="1600" dirty="0" smtClean="0"/>
+              <a:t>的效果图</a:t>
+            </a:r>
+            <a:endParaRPr lang="zh-CN" altLang="en-US" sz="1600" dirty="0"/>
           </a:p>
         </p:txBody>
       </p:sp>
     </p:spTree>
     <p:extLst>
       <p:ext uri="{BB962C8B-B14F-4D97-AF65-F5344CB8AC3E}">
-        <p14:creationId xmlns:p14="http://schemas.microsoft.com/office/powerpoint/2010/main" val="2507018378"/>
+        <p14:creationId xmlns:p14="http://schemas.microsoft.com/office/powerpoint/2010/main" val="2544865338"/>
       </p:ext>
     </p:extLst>
   </p:cSld>
@@ -3377,163 +3449,149 @@
           <a:chExt cx="0" cy="0"/>
         </a:xfrm>
       </p:grpSpPr>
-      <p:pic>
-        <p:nvPicPr>
-          <p:cNvPr id="4" name="图片 3"/>
-          <p:cNvPicPr>
-            <a:picLocks noChangeAspect="1"/>
-          </p:cNvPicPr>
-          <p:nvPr/>
-        </p:nvPicPr>
-        <p:blipFill>
-          <a:blip r:embed="rId2">
-            <a:extLst>
-              <a:ext uri="{28A0092B-C50C-407E-A947-70E740481C1C}">
-                <a14:useLocalDpi xmlns:a14="http://schemas.microsoft.com/office/drawing/2010/main" val="0"/>
-              </a:ext>
-            </a:extLst>
-          </a:blip>
-          <a:stretch>
-            <a:fillRect/>
-          </a:stretch>
-        </p:blipFill>
+      <p:sp>
+        <p:nvSpPr>
+          <p:cNvPr id="3" name="内容占位符 2"/>
+          <p:cNvSpPr>
+            <a:spLocks noGrp="1"/>
+          </p:cNvSpPr>
+          <p:nvPr>
+            <p:ph idx="1"/>
+          </p:nvPr>
+        </p:nvSpPr>
         <p:spPr>
           <a:xfrm>
-            <a:off x="755576" y="487735"/>
-            <a:ext cx="3888432" cy="2730710"/>
+            <a:off x="457200" y="332656"/>
+            <a:ext cx="8229600" cy="5793507"/>
           </a:xfrm>
-          <a:prstGeom prst="rect">
-            <a:avLst/>
-          </a:prstGeom>
         </p:spPr>
-      </p:pic>
-      <p:sp>
-        <p:nvSpPr>
-          <p:cNvPr id="5" name="TextBox 4"/>
-          <p:cNvSpPr txBox="1"/>
-          <p:nvPr/>
-        </p:nvSpPr>
-        <p:spPr>
-          <a:xfrm>
-            <a:off x="1547664" y="3242481"/>
-            <a:ext cx="1895071" cy="369332"/>
-          </a:xfrm>
-          <a:prstGeom prst="rect">
-            <a:avLst/>
-          </a:prstGeom>
-          <a:noFill/>
-        </p:spPr>
-        <p:txBody>
-          <a:bodyPr wrap="none" rtlCol="0">
-            <a:spAutoFit/>
-          </a:bodyPr>
-          <a:lstStyle/>
-          <a:p>
-            <a:r>
-              <a:rPr lang="zh-CN" altLang="en-US" dirty="0"/>
-              <a:t>图</a:t>
-            </a:r>
-            <a:r>
-              <a:rPr lang="en-US" altLang="zh-CN" dirty="0" smtClean="0"/>
-              <a:t>1-1 Map</a:t>
-            </a:r>
-            <a:r>
-              <a:rPr lang="zh-CN" altLang="en-US" dirty="0" smtClean="0"/>
-              <a:t>示意</a:t>
-            </a:r>
-            <a:r>
-              <a:rPr lang="zh-CN" altLang="en-US" dirty="0"/>
-              <a:t>图</a:t>
-            </a:r>
-            <a:endParaRPr lang="en-US" altLang="zh-CN" dirty="0" smtClean="0"/>
-          </a:p>
-        </p:txBody>
-      </p:sp>
-      <p:pic>
-        <p:nvPicPr>
-          <p:cNvPr id="6" name="图片 5"/>
-          <p:cNvPicPr>
-            <a:picLocks noChangeAspect="1"/>
-          </p:cNvPicPr>
-          <p:nvPr/>
-        </p:nvPicPr>
-        <p:blipFill>
-          <a:blip r:embed="rId3">
-            <a:extLst>
-              <a:ext uri="{28A0092B-C50C-407E-A947-70E740481C1C}">
-                <a14:useLocalDpi xmlns:a14="http://schemas.microsoft.com/office/drawing/2010/main" val="0"/>
-              </a:ext>
-            </a:extLst>
-          </a:blip>
-          <a:stretch>
-            <a:fillRect/>
-          </a:stretch>
-        </p:blipFill>
-        <p:spPr>
-          <a:xfrm>
-            <a:off x="4139952" y="3068960"/>
-            <a:ext cx="4492201" cy="3496430"/>
-          </a:xfrm>
-          <a:prstGeom prst="rect">
-            <a:avLst/>
-          </a:prstGeom>
-        </p:spPr>
-      </p:pic>
-      <p:sp>
-        <p:nvSpPr>
-          <p:cNvPr id="7" name="TextBox 6"/>
-          <p:cNvSpPr txBox="1"/>
-          <p:nvPr/>
-        </p:nvSpPr>
-        <p:spPr>
-          <a:xfrm>
-            <a:off x="5652120" y="2403108"/>
-            <a:ext cx="1718740" cy="369332"/>
-          </a:xfrm>
-          <a:prstGeom prst="rect">
-            <a:avLst/>
-          </a:prstGeom>
-          <a:noFill/>
-        </p:spPr>
-        <p:txBody>
-          <a:bodyPr wrap="none" rtlCol="0">
-            <a:spAutoFit/>
-          </a:bodyPr>
-          <a:lstStyle/>
-          <a:p>
-            <a:r>
-              <a:rPr lang="zh-CN" altLang="en-US" dirty="0" smtClean="0"/>
-              <a:t>图</a:t>
-            </a:r>
-            <a:r>
-              <a:rPr lang="en-US" altLang="zh-CN" dirty="0" smtClean="0"/>
-              <a:t>1-2 lift</a:t>
-            </a:r>
-            <a:r>
-              <a:rPr lang="zh-CN" altLang="en-US" dirty="0" smtClean="0"/>
-              <a:t>原理图</a:t>
-            </a:r>
-            <a:endParaRPr lang="en-US" altLang="zh-CN" dirty="0" smtClean="0"/>
+        <p:txBody>
+          <a:bodyPr/>
+          <a:lstStyle/>
+          <a:p>
+            <a:pPr marL="0" indent="0">
+              <a:buNone/>
+            </a:pPr>
+            <a:r>
+              <a:rPr lang="en-US" altLang="zh-CN" sz="2800" dirty="0"/>
+              <a:t> </a:t>
+            </a:r>
+            <a:r>
+              <a:rPr lang="en-US" altLang="zh-CN" sz="2800" dirty="0" smtClean="0"/>
+              <a:t>3)  compose</a:t>
+            </a:r>
+            <a:endParaRPr lang="en-US" altLang="zh-CN" sz="2800" dirty="0"/>
+          </a:p>
+          <a:p>
+            <a:pPr marL="0" indent="0">
+              <a:buNone/>
+            </a:pPr>
+            <a:r>
+              <a:rPr lang="en-US" altLang="zh-CN" sz="2000" dirty="0"/>
+              <a:t> </a:t>
+            </a:r>
+            <a:r>
+              <a:rPr lang="en-US" altLang="zh-CN" sz="2000" dirty="0" smtClean="0"/>
+              <a:t>        </a:t>
+            </a:r>
+            <a:r>
+              <a:rPr lang="zh-CN" altLang="en-US" sz="2000" dirty="0" smtClean="0"/>
+              <a:t>对</a:t>
+            </a:r>
+            <a:r>
+              <a:rPr lang="en-US" altLang="zh-CN" sz="2000" dirty="0" smtClean="0"/>
+              <a:t>Observable</a:t>
+            </a:r>
+            <a:r>
+              <a:rPr lang="zh-CN" altLang="en-US" sz="2000" dirty="0" smtClean="0"/>
+              <a:t>整体的变换，针对</a:t>
+            </a:r>
+            <a:r>
+              <a:rPr lang="en-US" altLang="zh-CN" sz="2000" dirty="0" smtClean="0"/>
+              <a:t>Observable</a:t>
+            </a:r>
+            <a:r>
+              <a:rPr lang="zh-CN" altLang="en-US" sz="2000" dirty="0" smtClean="0"/>
+              <a:t>自身进行变换。       </a:t>
+            </a:r>
+            <a:endParaRPr lang="en-US" altLang="zh-CN" sz="2000" dirty="0" smtClean="0"/>
+          </a:p>
+          <a:p>
+            <a:pPr marL="0" indent="0">
+              <a:buNone/>
+            </a:pPr>
+            <a:r>
+              <a:rPr lang="en-US" altLang="zh-CN" sz="2000" dirty="0"/>
+              <a:t> </a:t>
+            </a:r>
+            <a:r>
+              <a:rPr lang="en-US" altLang="zh-CN" sz="2000" dirty="0" smtClean="0"/>
+              <a:t>        Observable </a:t>
+            </a:r>
+            <a:r>
+              <a:rPr lang="zh-CN" altLang="en-US" sz="2000" dirty="0"/>
+              <a:t>可以利用传入的 </a:t>
+            </a:r>
+            <a:r>
+              <a:rPr lang="en-US" altLang="zh-CN" sz="2000" dirty="0"/>
+              <a:t>Transformer </a:t>
+            </a:r>
+            <a:r>
+              <a:rPr lang="zh-CN" altLang="en-US" sz="2000" dirty="0"/>
+              <a:t>对象的 </a:t>
+            </a:r>
+            <a:r>
+              <a:rPr lang="en-US" altLang="zh-CN" sz="2000" dirty="0"/>
+              <a:t>call </a:t>
+            </a:r>
+            <a:r>
+              <a:rPr lang="zh-CN" altLang="en-US" sz="2000" dirty="0"/>
+              <a:t>方法直接对自身进行处理，也就不必被包在方法的里面了</a:t>
+            </a:r>
+            <a:r>
+              <a:rPr lang="zh-CN" altLang="en-US" sz="2000" dirty="0" smtClean="0"/>
+              <a:t>。</a:t>
+            </a:r>
+            <a:endParaRPr lang="en-US" altLang="zh-CN" sz="2000" dirty="0" smtClean="0"/>
+          </a:p>
+          <a:p>
+            <a:pPr marL="0" indent="0">
+              <a:buNone/>
+            </a:pPr>
+            <a:r>
+              <a:rPr lang="en-US" altLang="zh-CN" sz="2000" dirty="0"/>
+              <a:t> </a:t>
+            </a:r>
+            <a:r>
+              <a:rPr lang="en-US" altLang="zh-CN" sz="2000" dirty="0" smtClean="0"/>
+              <a:t>         </a:t>
+            </a:r>
+            <a:r>
+              <a:rPr lang="zh-CN" altLang="en-US" sz="2000" dirty="0" smtClean="0"/>
+              <a:t>例子： </a:t>
+            </a:r>
+            <a:r>
+              <a:rPr lang="en-US" altLang="zh-CN" sz="2000" dirty="0" err="1" smtClean="0"/>
+              <a:t>composeExample</a:t>
+            </a:r>
+            <a:r>
+              <a:rPr lang="en-US" altLang="zh-CN" sz="2000" dirty="0" smtClean="0"/>
+              <a:t>()</a:t>
+            </a:r>
+            <a:endParaRPr lang="zh-CN" altLang="en-US" sz="2000" dirty="0"/>
           </a:p>
         </p:txBody>
       </p:sp>
     </p:spTree>
     <p:extLst>
       <p:ext uri="{BB962C8B-B14F-4D97-AF65-F5344CB8AC3E}">
-        <p14:creationId xmlns:p14="http://schemas.microsoft.com/office/powerpoint/2010/main" val="1933232329"/>
+        <p14:creationId xmlns:p14="http://schemas.microsoft.com/office/powerpoint/2010/main" val="359113173"/>
       </p:ext>
     </p:extLst>
   </p:cSld>
   <p:clrMapOvr>
     <a:masterClrMapping/>
   </p:clrMapOvr>
-  <p:timing>
-    <p:tnLst>
-      <p:par>
-        <p:cTn id="1" dur="indefinite" restart="never" nodeType="tmRoot"/>
-      </p:par>
-    </p:tnLst>
-  </p:timing>
 </p:sld>
 </file>
 
@@ -3556,6 +3614,33 @@
       </p:grpSpPr>
       <p:sp>
         <p:nvSpPr>
+          <p:cNvPr id="2" name="标题 1"/>
+          <p:cNvSpPr>
+            <a:spLocks noGrp="1"/>
+          </p:cNvSpPr>
+          <p:nvPr>
+            <p:ph type="title"/>
+          </p:nvPr>
+        </p:nvSpPr>
+        <p:spPr/>
+        <p:txBody>
+          <a:bodyPr/>
+          <a:lstStyle/>
+          <a:p>
+            <a:r>
+              <a:rPr lang="zh-CN" altLang="en-US" dirty="0"/>
+              <a:t>六</a:t>
+            </a:r>
+            <a:r>
+              <a:rPr lang="zh-CN" altLang="en-US" dirty="0" smtClean="0"/>
+              <a:t>、线程控制</a:t>
+            </a:r>
+            <a:endParaRPr lang="zh-CN" altLang="en-US" dirty="0"/>
+          </a:p>
+        </p:txBody>
+      </p:sp>
+      <p:sp>
+        <p:nvSpPr>
           <p:cNvPr id="3" name="内容占位符 2"/>
           <p:cNvSpPr>
             <a:spLocks noGrp="1"/>
@@ -3564,254 +3649,223 @@
             <p:ph idx="1"/>
           </p:nvPr>
         </p:nvSpPr>
-        <p:spPr>
-          <a:xfrm>
-            <a:off x="457200" y="404664"/>
-            <a:ext cx="8229600" cy="5721499"/>
-          </a:xfrm>
-        </p:spPr>
-        <p:txBody>
-          <a:bodyPr/>
+        <p:spPr/>
+        <p:txBody>
+          <a:bodyPr>
+            <a:normAutofit fontScale="85000" lnSpcReduction="20000"/>
+          </a:bodyPr>
           <a:lstStyle/>
           <a:p>
             <a:pPr marL="0" indent="0">
               <a:buNone/>
             </a:pPr>
             <a:r>
-              <a:rPr lang="en-US" altLang="zh-CN" sz="2000" dirty="0"/>
-              <a:t>2</a:t>
-            </a:r>
-            <a:r>
-              <a:rPr lang="zh-CN" altLang="en-US" sz="2000" dirty="0"/>
-              <a:t>、 </a:t>
-            </a:r>
-            <a:r>
-              <a:rPr lang="en-US" altLang="zh-CN" sz="2000" dirty="0" err="1"/>
-              <a:t>flatmap</a:t>
-            </a:r>
+              <a:rPr lang="en-US" altLang="zh-CN" dirty="0" smtClean="0"/>
+              <a:t>Scheduler – </a:t>
+            </a:r>
+            <a:r>
+              <a:rPr lang="zh-CN" altLang="en-US" dirty="0" smtClean="0"/>
+              <a:t>调度器</a:t>
+            </a:r>
+            <a:endParaRPr lang="en-US" altLang="zh-CN" dirty="0" smtClean="0"/>
+          </a:p>
+          <a:p>
+            <a:pPr marL="0" indent="0">
+              <a:buNone/>
+            </a:pPr>
+            <a:r>
+              <a:rPr lang="zh-CN" altLang="en-US" sz="2400" dirty="0" smtClean="0"/>
+              <a:t>切换事件生产和消费的所在线程。</a:t>
+            </a:r>
+            <a:endParaRPr lang="en-US" altLang="zh-CN" sz="2400" dirty="0" smtClean="0"/>
+          </a:p>
+          <a:p>
+            <a:pPr marL="0" indent="0">
+              <a:buNone/>
+            </a:pPr>
+            <a:endParaRPr lang="en-US" altLang="zh-CN" sz="2400" dirty="0" smtClean="0"/>
+          </a:p>
+          <a:p>
+            <a:pPr marL="0" indent="0">
+              <a:buNone/>
+            </a:pPr>
+            <a:r>
+              <a:rPr lang="en-US" altLang="zh-CN" sz="3300" dirty="0" smtClean="0"/>
+              <a:t>1)  API</a:t>
+            </a:r>
+            <a:endParaRPr lang="en-US" altLang="zh-CN" sz="3300" dirty="0"/>
+          </a:p>
+          <a:p>
+            <a:pPr marL="0" indent="0">
+              <a:buNone/>
+            </a:pPr>
+            <a:endParaRPr lang="en-US" altLang="zh-CN" sz="3000" dirty="0"/>
+          </a:p>
+          <a:p>
+            <a:r>
+              <a:rPr lang="en-US" altLang="zh-CN" sz="2400" dirty="0" err="1" smtClean="0"/>
+              <a:t>observeOn</a:t>
+            </a:r>
+            <a:r>
+              <a:rPr lang="en-US" altLang="zh-CN" sz="2400" dirty="0"/>
+              <a:t> </a:t>
+            </a:r>
+            <a:r>
+              <a:rPr lang="en-US" altLang="zh-CN" sz="2400" dirty="0" smtClean="0"/>
+              <a:t>  </a:t>
+            </a:r>
+          </a:p>
+          <a:p>
+            <a:pPr marL="0" indent="0">
+              <a:buNone/>
+            </a:pPr>
+            <a:r>
+              <a:rPr lang="en-US" altLang="zh-CN" sz="2400" dirty="0" smtClean="0"/>
+              <a:t>     </a:t>
+            </a:r>
+            <a:r>
+              <a:rPr lang="zh-CN" altLang="en-US" sz="2100" dirty="0"/>
+              <a:t>指定</a:t>
+            </a:r>
+            <a:r>
+              <a:rPr lang="en-US" altLang="zh-CN" sz="2100" dirty="0"/>
+              <a:t>Subscriber</a:t>
+            </a:r>
+            <a:r>
+              <a:rPr lang="zh-CN" altLang="en-US" sz="2100" dirty="0"/>
+              <a:t>线程，指定的是它之后的操作所在的线程</a:t>
+            </a:r>
+            <a:r>
+              <a:rPr lang="zh-CN" altLang="en-US" sz="2100" dirty="0" smtClean="0"/>
+              <a:t>。</a:t>
+            </a:r>
+            <a:endParaRPr lang="en-US" altLang="zh-CN" sz="2100" dirty="0" smtClean="0"/>
+          </a:p>
+          <a:p>
+            <a:pPr marL="0" indent="0">
+              <a:buNone/>
+            </a:pPr>
             <a:endParaRPr lang="en-US" altLang="zh-CN" sz="2000" dirty="0"/>
           </a:p>
           <a:p>
+            <a:pPr lvl="0"/>
+            <a:r>
+              <a:rPr lang="en-US" altLang="zh-CN" sz="2400" dirty="0" err="1" smtClean="0"/>
+              <a:t>subscribeOn</a:t>
+            </a:r>
+            <a:endParaRPr lang="en-US" altLang="zh-CN" sz="2400" dirty="0"/>
+          </a:p>
+          <a:p>
+            <a:pPr marL="0" lvl="0" indent="0">
+              <a:buNone/>
+            </a:pPr>
+            <a:r>
+              <a:rPr lang="zh-CN" altLang="en-US" sz="2000" dirty="0">
+                <a:solidFill>
+                  <a:srgbClr val="222222"/>
+                </a:solidFill>
+                <a:latin typeface="Lantinghei SC"/>
+              </a:rPr>
+              <a:t> </a:t>
+            </a:r>
+            <a:r>
+              <a:rPr lang="zh-CN" altLang="en-US" sz="2000" dirty="0" smtClean="0">
+                <a:solidFill>
+                  <a:srgbClr val="222222"/>
+                </a:solidFill>
+                <a:latin typeface="Lantinghei SC"/>
+              </a:rPr>
+              <a:t>  </a:t>
+            </a:r>
+            <a:r>
+              <a:rPr lang="en-US" altLang="zh-CN" sz="2100" dirty="0" err="1" smtClean="0"/>
+              <a:t>Observable.OnSubscribe</a:t>
+            </a:r>
+            <a:r>
+              <a:rPr lang="en-US" altLang="zh-CN" sz="2100" dirty="0">
+                <a:solidFill>
+                  <a:srgbClr val="222222"/>
+                </a:solidFill>
+                <a:latin typeface="Lantinghei SC"/>
+              </a:rPr>
+              <a:t> </a:t>
+            </a:r>
+            <a:r>
+              <a:rPr lang="zh-CN" altLang="en-US" sz="2100" dirty="0">
+                <a:solidFill>
+                  <a:srgbClr val="222222"/>
+                </a:solidFill>
+                <a:latin typeface="Lantinghei SC"/>
+              </a:rPr>
+              <a:t>被激活时所处的</a:t>
+            </a:r>
+            <a:r>
+              <a:rPr lang="zh-CN" altLang="en-US" sz="2100" dirty="0" smtClean="0">
+                <a:solidFill>
+                  <a:srgbClr val="222222"/>
+                </a:solidFill>
+                <a:latin typeface="Lantinghei SC"/>
+              </a:rPr>
+              <a:t>线程，或者</a:t>
+            </a:r>
+            <a:r>
+              <a:rPr lang="zh-CN" altLang="en-US" sz="2100" dirty="0">
+                <a:solidFill>
+                  <a:srgbClr val="222222"/>
+                </a:solidFill>
+                <a:latin typeface="Lantinghei SC"/>
+              </a:rPr>
+              <a:t>叫做事件产生的线程。</a:t>
+            </a:r>
+            <a:r>
+              <a:rPr lang="zh-CN" altLang="en-US" sz="2100" dirty="0" smtClean="0">
+                <a:solidFill>
+                  <a:prstClr val="black"/>
+                </a:solidFill>
+              </a:rPr>
+              <a:t>放在哪里都可以，但是只能调用一次。</a:t>
+            </a:r>
+            <a:endParaRPr lang="en-US" altLang="zh-CN" sz="2100" dirty="0">
+              <a:solidFill>
+                <a:prstClr val="black"/>
+              </a:solidFill>
+            </a:endParaRPr>
+          </a:p>
+          <a:p>
+            <a:pPr marL="0" lvl="0" indent="0">
+              <a:buNone/>
+            </a:pPr>
+            <a:r>
+              <a:rPr lang="en-US" altLang="zh-CN" sz="2400" dirty="0" smtClean="0">
+                <a:solidFill>
+                  <a:prstClr val="black"/>
+                </a:solidFill>
+              </a:rPr>
+              <a:t> </a:t>
+            </a:r>
+          </a:p>
+          <a:p>
             <a:pPr marL="0" indent="0">
               <a:buNone/>
             </a:pPr>
-            <a:r>
-              <a:rPr lang="en-US" altLang="zh-CN" sz="2000" dirty="0"/>
-              <a:t>      </a:t>
-            </a:r>
-            <a:r>
-              <a:rPr lang="zh-CN" altLang="en-US" sz="2000" dirty="0"/>
-              <a:t>一对多的变换，返回结果是</a:t>
-            </a:r>
-            <a:r>
-              <a:rPr lang="en-US" altLang="zh-CN" sz="2000" dirty="0"/>
-              <a:t>Observable</a:t>
-            </a:r>
-            <a:r>
-              <a:rPr lang="zh-CN" altLang="en-US" sz="2000" dirty="0"/>
-              <a:t>对象，不直接传递给</a:t>
-            </a:r>
-            <a:r>
-              <a:rPr lang="en-US" altLang="zh-CN" sz="2000" dirty="0"/>
-              <a:t>Subscriber</a:t>
-            </a:r>
-            <a:r>
-              <a:rPr lang="zh-CN" altLang="en-US" sz="2000" dirty="0"/>
-              <a:t>，而是通知上层的</a:t>
-            </a:r>
-            <a:r>
-              <a:rPr lang="en-US" altLang="zh-CN" sz="2000" dirty="0"/>
-              <a:t>Observable</a:t>
-            </a:r>
-            <a:r>
-              <a:rPr lang="zh-CN" altLang="en-US" sz="2000" dirty="0"/>
-              <a:t>，统一发送通知。</a:t>
-            </a:r>
-            <a:r>
-              <a:rPr lang="en-US" altLang="zh-CN" sz="2000" dirty="0"/>
-              <a:t>   </a:t>
-            </a:r>
-            <a:endParaRPr lang="en-US" altLang="zh-CN" sz="2000" dirty="0" smtClean="0"/>
+            <a:endParaRPr lang="en-US" altLang="zh-CN" sz="2400" dirty="0" smtClean="0"/>
           </a:p>
           <a:p>
             <a:pPr marL="0" indent="0">
               <a:buNone/>
             </a:pPr>
             <a:r>
-              <a:rPr lang="en-US" altLang="zh-CN" sz="2000" dirty="0" smtClean="0"/>
-              <a:t>3</a:t>
-            </a:r>
-            <a:r>
-              <a:rPr lang="zh-CN" altLang="en-US" sz="2000" dirty="0" smtClean="0"/>
-              <a:t>、</a:t>
-            </a:r>
-            <a:r>
-              <a:rPr lang="en-US" altLang="zh-CN" sz="2000" dirty="0" smtClean="0"/>
-              <a:t>lift</a:t>
-            </a:r>
-          </a:p>
-          <a:p>
-            <a:pPr marL="0" indent="0">
-              <a:buNone/>
-            </a:pPr>
-            <a:r>
-              <a:rPr lang="en-US" altLang="zh-CN" sz="2000" dirty="0"/>
-              <a:t> </a:t>
-            </a:r>
-            <a:r>
-              <a:rPr lang="en-US" altLang="zh-CN" sz="2000" dirty="0" smtClean="0"/>
-              <a:t>     </a:t>
-            </a:r>
-            <a:r>
-              <a:rPr lang="zh-CN" altLang="en-US" sz="2000" dirty="0" smtClean="0"/>
-              <a:t>在</a:t>
-            </a:r>
-            <a:r>
-              <a:rPr lang="en-US" altLang="zh-CN" sz="2000" dirty="0" smtClean="0"/>
-              <a:t>Observable</a:t>
-            </a:r>
-            <a:r>
-              <a:rPr lang="zh-CN" altLang="en-US" sz="2000" dirty="0" smtClean="0"/>
-              <a:t>执行了</a:t>
-            </a:r>
-            <a:r>
-              <a:rPr lang="en-US" altLang="zh-CN" sz="2000" dirty="0" smtClean="0"/>
-              <a:t>lift</a:t>
-            </a:r>
-            <a:r>
-              <a:rPr lang="zh-CN" altLang="en-US" sz="2000" dirty="0" smtClean="0"/>
-              <a:t>（</a:t>
-            </a:r>
-            <a:r>
-              <a:rPr lang="en-US" altLang="zh-CN" sz="2000" dirty="0" smtClean="0"/>
-              <a:t>Operator</a:t>
-            </a:r>
-            <a:r>
-              <a:rPr lang="zh-CN" altLang="en-US" sz="2000" dirty="0" smtClean="0"/>
-              <a:t>）方法之后，会返回一个新的</a:t>
-            </a:r>
-            <a:r>
-              <a:rPr lang="en-US" altLang="zh-CN" sz="2000" dirty="0" smtClean="0"/>
-              <a:t>Observable</a:t>
-            </a:r>
-            <a:r>
-              <a:rPr lang="zh-CN" altLang="en-US" sz="2000" dirty="0" smtClean="0"/>
-              <a:t>，这个新的</a:t>
-            </a:r>
-            <a:r>
-              <a:rPr lang="en-US" altLang="zh-CN" sz="2000" dirty="0" smtClean="0"/>
-              <a:t>Observable</a:t>
-            </a:r>
-            <a:r>
-              <a:rPr lang="zh-CN" altLang="en-US" sz="2000" dirty="0" smtClean="0"/>
-              <a:t>会像一个代理一样，负责接收原始的</a:t>
-            </a:r>
-            <a:r>
-              <a:rPr lang="en-US" altLang="zh-CN" sz="2000" dirty="0" smtClean="0"/>
-              <a:t>Observable</a:t>
-            </a:r>
-            <a:r>
-              <a:rPr lang="zh-CN" altLang="en-US" sz="2000" dirty="0" smtClean="0"/>
-              <a:t>发出的事件，并在处理后发送给</a:t>
-            </a:r>
-            <a:r>
-              <a:rPr lang="en-US" altLang="zh-CN" sz="2000" dirty="0" smtClean="0"/>
-              <a:t>Subscriber</a:t>
-            </a:r>
-            <a:r>
-              <a:rPr lang="zh-CN" altLang="en-US" sz="2000" dirty="0" smtClean="0"/>
-              <a:t>。</a:t>
-            </a:r>
-            <a:endParaRPr lang="en-US" altLang="zh-CN" sz="2000" dirty="0"/>
-          </a:p>
-          <a:p>
-            <a:pPr marL="0" indent="0">
-              <a:buNone/>
-            </a:pPr>
-            <a:endParaRPr lang="zh-CN" altLang="en-US" dirty="0"/>
-          </a:p>
-        </p:txBody>
-      </p:sp>
-      <p:pic>
-        <p:nvPicPr>
-          <p:cNvPr id="4" name="图片 3"/>
-          <p:cNvPicPr>
-            <a:picLocks noChangeAspect="1"/>
-          </p:cNvPicPr>
-          <p:nvPr/>
-        </p:nvPicPr>
-        <p:blipFill>
-          <a:blip r:embed="rId2">
-            <a:extLst>
-              <a:ext uri="{28A0092B-C50C-407E-A947-70E740481C1C}">
-                <a14:useLocalDpi xmlns:a14="http://schemas.microsoft.com/office/drawing/2010/main" val="0"/>
-              </a:ext>
-            </a:extLst>
-          </a:blip>
-          <a:stretch>
-            <a:fillRect/>
-          </a:stretch>
-        </p:blipFill>
-        <p:spPr>
-          <a:xfrm>
-            <a:off x="971600" y="2780928"/>
-            <a:ext cx="3721025" cy="3829932"/>
-          </a:xfrm>
-          <a:prstGeom prst="rect">
-            <a:avLst/>
-          </a:prstGeom>
-        </p:spPr>
-      </p:pic>
-      <p:sp>
-        <p:nvSpPr>
-          <p:cNvPr id="5" name="TextBox 4"/>
-          <p:cNvSpPr txBox="1"/>
-          <p:nvPr/>
-        </p:nvSpPr>
-        <p:spPr>
-          <a:xfrm>
-            <a:off x="5796136" y="4293096"/>
-            <a:ext cx="2411238" cy="369332"/>
-          </a:xfrm>
-          <a:prstGeom prst="rect">
-            <a:avLst/>
-          </a:prstGeom>
-          <a:noFill/>
-        </p:spPr>
-        <p:txBody>
-          <a:bodyPr wrap="none" rtlCol="0">
-            <a:spAutoFit/>
-          </a:bodyPr>
-          <a:lstStyle/>
-          <a:p>
-            <a:r>
-              <a:rPr lang="zh-CN" altLang="en-US" dirty="0" smtClean="0"/>
-              <a:t>图</a:t>
-            </a:r>
-            <a:r>
-              <a:rPr lang="en-US" altLang="zh-CN" dirty="0" smtClean="0"/>
-              <a:t>1-3 </a:t>
-            </a:r>
-            <a:r>
-              <a:rPr lang="zh-CN" altLang="en-US" dirty="0" smtClean="0"/>
-              <a:t>多个</a:t>
-            </a:r>
-            <a:r>
-              <a:rPr lang="en-US" altLang="zh-CN" dirty="0" smtClean="0"/>
-              <a:t>lift</a:t>
-            </a:r>
-            <a:r>
-              <a:rPr lang="zh-CN" altLang="en-US" dirty="0" smtClean="0"/>
-              <a:t>的效果图</a:t>
-            </a:r>
-            <a:endParaRPr lang="zh-CN" altLang="en-US" dirty="0"/>
+              <a:rPr lang="en-US" altLang="zh-CN" sz="2400" dirty="0" smtClean="0"/>
+              <a:t>          </a:t>
+            </a:r>
+            <a:endParaRPr lang="zh-CN" altLang="en-US" sz="2400" dirty="0"/>
           </a:p>
         </p:txBody>
       </p:sp>
     </p:spTree>
     <p:extLst>
       <p:ext uri="{BB962C8B-B14F-4D97-AF65-F5344CB8AC3E}">
-        <p14:creationId xmlns:p14="http://schemas.microsoft.com/office/powerpoint/2010/main" val="2544865338"/>
+        <p14:creationId xmlns:p14="http://schemas.microsoft.com/office/powerpoint/2010/main" val="1748879821"/>
       </p:ext>
     </p:extLst>
   </p:cSld>
@@ -3857,32 +3911,36 @@
         </p:nvSpPr>
         <p:spPr>
           <a:xfrm>
-            <a:off x="457200" y="332656"/>
-            <a:ext cx="8229600" cy="5793507"/>
+            <a:off x="457200" y="548680"/>
+            <a:ext cx="8229600" cy="5577483"/>
           </a:xfrm>
         </p:spPr>
         <p:txBody>
-          <a:bodyPr/>
+          <a:bodyPr>
+            <a:normAutofit fontScale="55000" lnSpcReduction="20000"/>
+          </a:bodyPr>
           <a:lstStyle/>
           <a:p>
             <a:pPr marL="0" indent="0">
               <a:buNone/>
             </a:pPr>
+            <a:r>
+              <a:rPr lang="en-US" altLang="zh-CN" sz="4500" dirty="0"/>
+              <a:t>2)  Schedulers</a:t>
+            </a:r>
+          </a:p>
+          <a:p>
             <a:r>
               <a:rPr lang="en-US" altLang="zh-CN" dirty="0" smtClean="0"/>
               <a:t> </a:t>
             </a:r>
             <a:r>
-              <a:rPr lang="en-US" altLang="zh-CN" sz="2000" dirty="0"/>
-              <a:t>4</a:t>
-            </a:r>
-            <a:r>
-              <a:rPr lang="zh-CN" altLang="en-US" sz="2000" dirty="0"/>
-              <a:t>、</a:t>
-            </a:r>
-            <a:r>
-              <a:rPr lang="en-US" altLang="zh-CN" sz="2000" dirty="0" smtClean="0"/>
-              <a:t>compose</a:t>
+              <a:rPr lang="en-US" altLang="zh-CN" dirty="0" err="1"/>
+              <a:t>Schedulers.immediate</a:t>
+            </a:r>
+            <a:r>
+              <a:rPr lang="en-US" altLang="zh-CN" dirty="0" smtClean="0"/>
+              <a:t>()</a:t>
             </a:r>
           </a:p>
           <a:p>
@@ -3890,65 +3948,338 @@
               <a:buNone/>
             </a:pPr>
             <a:r>
-              <a:rPr lang="en-US" altLang="zh-CN" sz="2000" dirty="0"/>
+              <a:rPr lang="en-US" altLang="zh-CN" dirty="0"/>
               <a:t> </a:t>
             </a:r>
             <a:r>
-              <a:rPr lang="en-US" altLang="zh-CN" sz="2000" dirty="0" smtClean="0"/>
-              <a:t>        </a:t>
-            </a:r>
-            <a:r>
-              <a:rPr lang="zh-CN" altLang="en-US" sz="2000" dirty="0" smtClean="0"/>
-              <a:t>对</a:t>
-            </a:r>
-            <a:r>
-              <a:rPr lang="en-US" altLang="zh-CN" sz="2000" dirty="0" smtClean="0"/>
-              <a:t>Observable</a:t>
-            </a:r>
-            <a:r>
-              <a:rPr lang="zh-CN" altLang="en-US" sz="2000" dirty="0" smtClean="0"/>
-              <a:t>整体的变换，针对</a:t>
-            </a:r>
-            <a:r>
-              <a:rPr lang="en-US" altLang="zh-CN" sz="2000" dirty="0" smtClean="0"/>
-              <a:t>Observable</a:t>
-            </a:r>
-            <a:r>
-              <a:rPr lang="zh-CN" altLang="en-US" sz="2000" dirty="0" smtClean="0"/>
-              <a:t>自身进行变换。</a:t>
-            </a:r>
-            <a:r>
-              <a:rPr lang="en-US" altLang="zh-CN" sz="2000" dirty="0"/>
-              <a:t>Observable </a:t>
-            </a:r>
-            <a:r>
-              <a:rPr lang="zh-CN" altLang="en-US" sz="2000" dirty="0"/>
-              <a:t>可以利用传入的 </a:t>
-            </a:r>
-            <a:r>
-              <a:rPr lang="en-US" altLang="zh-CN" sz="2000" dirty="0"/>
-              <a:t>Transformer </a:t>
-            </a:r>
-            <a:r>
-              <a:rPr lang="zh-CN" altLang="en-US" sz="2000" dirty="0"/>
-              <a:t>对象的 </a:t>
-            </a:r>
-            <a:r>
-              <a:rPr lang="en-US" altLang="zh-CN" sz="2000" dirty="0"/>
-              <a:t>call </a:t>
-            </a:r>
-            <a:r>
-              <a:rPr lang="zh-CN" altLang="en-US" sz="2000" dirty="0"/>
-              <a:t>方法直接对自身进行处理，也就不必被包在方法的里面了。</a:t>
-            </a:r>
-            <a:endParaRPr lang="zh-CN" altLang="en-US" sz="2000" dirty="0"/>
+              <a:rPr lang="en-US" altLang="zh-CN" dirty="0" smtClean="0"/>
+              <a:t>     </a:t>
+            </a:r>
+            <a:r>
+              <a:rPr lang="zh-CN" altLang="en-US" sz="3300" dirty="0" smtClean="0"/>
+              <a:t>直接</a:t>
+            </a:r>
+            <a:r>
+              <a:rPr lang="zh-CN" altLang="en-US" sz="3300" dirty="0"/>
+              <a:t>在当前线程运行，相当于不指定线程。这是默认的 </a:t>
+            </a:r>
+            <a:r>
+              <a:rPr lang="en-US" altLang="zh-CN" sz="3300" dirty="0"/>
+              <a:t>Scheduler</a:t>
+            </a:r>
+            <a:r>
+              <a:rPr lang="zh-CN" altLang="en-US" sz="3300" dirty="0" smtClean="0"/>
+              <a:t>。</a:t>
+            </a:r>
+            <a:endParaRPr lang="en-US" altLang="zh-CN" sz="3300" dirty="0" smtClean="0"/>
+          </a:p>
+          <a:p>
+            <a:pPr marL="0" indent="0">
+              <a:buNone/>
+            </a:pPr>
+            <a:endParaRPr lang="zh-CN" altLang="en-US" dirty="0"/>
+          </a:p>
+          <a:p>
+            <a:r>
+              <a:rPr lang="en-US" altLang="zh-CN" dirty="0" err="1"/>
+              <a:t>Schedulers.newThread</a:t>
+            </a:r>
+            <a:r>
+              <a:rPr lang="en-US" altLang="zh-CN" dirty="0" smtClean="0"/>
+              <a:t>() </a:t>
+            </a:r>
+          </a:p>
+          <a:p>
+            <a:pPr marL="0" indent="0">
+              <a:buNone/>
+            </a:pPr>
+            <a:r>
+              <a:rPr lang="en-US" altLang="zh-CN" dirty="0" smtClean="0"/>
+              <a:t>      </a:t>
+            </a:r>
+            <a:r>
+              <a:rPr lang="zh-CN" altLang="en-US" dirty="0" smtClean="0"/>
+              <a:t>总是</a:t>
+            </a:r>
+            <a:r>
+              <a:rPr lang="zh-CN" altLang="en-US" dirty="0"/>
+              <a:t>启用新线程，并在新线程执行操作</a:t>
+            </a:r>
+            <a:r>
+              <a:rPr lang="zh-CN" altLang="en-US" dirty="0" smtClean="0"/>
+              <a:t>。</a:t>
+            </a:r>
+            <a:endParaRPr lang="en-US" altLang="zh-CN" dirty="0" smtClean="0"/>
+          </a:p>
+          <a:p>
+            <a:pPr marL="0" indent="0">
+              <a:buNone/>
+            </a:pPr>
+            <a:endParaRPr lang="zh-CN" altLang="en-US" dirty="0"/>
+          </a:p>
+          <a:p>
+            <a:r>
+              <a:rPr lang="en-US" altLang="zh-CN" dirty="0"/>
+              <a:t>Schedulers.io</a:t>
+            </a:r>
+            <a:r>
+              <a:rPr lang="en-US" altLang="zh-CN" dirty="0" smtClean="0"/>
+              <a:t>()</a:t>
+            </a:r>
+          </a:p>
+          <a:p>
+            <a:pPr marL="0" indent="0">
+              <a:buNone/>
+            </a:pPr>
+            <a:r>
+              <a:rPr lang="en-US" altLang="zh-CN" dirty="0"/>
+              <a:t> </a:t>
+            </a:r>
+            <a:r>
+              <a:rPr lang="en-US" altLang="zh-CN" dirty="0" smtClean="0"/>
+              <a:t>      I/O </a:t>
+            </a:r>
+            <a:r>
+              <a:rPr lang="zh-CN" altLang="en-US" dirty="0"/>
+              <a:t>操作（读写文件、读写数据库、网络信息交互等）所使用的 </a:t>
+            </a:r>
+            <a:r>
+              <a:rPr lang="en-US" altLang="zh-CN" dirty="0"/>
+              <a:t>Scheduler</a:t>
+            </a:r>
+            <a:r>
+              <a:rPr lang="zh-CN" altLang="en-US" dirty="0"/>
+              <a:t>。行为模式和 </a:t>
+            </a:r>
+            <a:r>
+              <a:rPr lang="en-US" altLang="zh-CN" dirty="0" err="1"/>
+              <a:t>newThread</a:t>
+            </a:r>
+            <a:r>
+              <a:rPr lang="en-US" altLang="zh-CN" dirty="0"/>
+              <a:t>() </a:t>
+            </a:r>
+            <a:r>
+              <a:rPr lang="zh-CN" altLang="en-US" dirty="0"/>
+              <a:t>差不多，区别在于 </a:t>
+            </a:r>
+            <a:r>
+              <a:rPr lang="en-US" altLang="zh-CN" dirty="0" err="1"/>
+              <a:t>io</a:t>
+            </a:r>
+            <a:r>
+              <a:rPr lang="en-US" altLang="zh-CN" dirty="0"/>
+              <a:t>() </a:t>
+            </a:r>
+            <a:r>
+              <a:rPr lang="zh-CN" altLang="en-US" dirty="0"/>
+              <a:t>的内部实现是是用一个无数量上限的线程池，可以重用空闲的线程，因此多数情况下 </a:t>
+            </a:r>
+            <a:r>
+              <a:rPr lang="en-US" altLang="zh-CN" dirty="0" err="1"/>
+              <a:t>io</a:t>
+            </a:r>
+            <a:r>
+              <a:rPr lang="en-US" altLang="zh-CN" dirty="0"/>
+              <a:t>() </a:t>
+            </a:r>
+            <a:r>
+              <a:rPr lang="zh-CN" altLang="en-US" dirty="0"/>
+              <a:t>比 </a:t>
+            </a:r>
+            <a:r>
+              <a:rPr lang="en-US" altLang="zh-CN" dirty="0" err="1"/>
+              <a:t>newThread</a:t>
+            </a:r>
+            <a:r>
+              <a:rPr lang="en-US" altLang="zh-CN" dirty="0"/>
+              <a:t>() </a:t>
+            </a:r>
+            <a:r>
+              <a:rPr lang="zh-CN" altLang="en-US" dirty="0"/>
+              <a:t>更有效率。不要把计算工作放在 </a:t>
+            </a:r>
+            <a:r>
+              <a:rPr lang="en-US" altLang="zh-CN" dirty="0" err="1"/>
+              <a:t>io</a:t>
+            </a:r>
+            <a:r>
+              <a:rPr lang="en-US" altLang="zh-CN" dirty="0"/>
+              <a:t>() </a:t>
+            </a:r>
+            <a:r>
+              <a:rPr lang="zh-CN" altLang="en-US" dirty="0"/>
+              <a:t>中，可以避免创建不必要的线程</a:t>
+            </a:r>
+            <a:r>
+              <a:rPr lang="zh-CN" altLang="en-US" dirty="0" smtClean="0"/>
+              <a:t>。</a:t>
+            </a:r>
+            <a:endParaRPr lang="en-US" altLang="zh-CN" dirty="0" smtClean="0"/>
+          </a:p>
+          <a:p>
+            <a:pPr marL="0" indent="0">
+              <a:buNone/>
+            </a:pPr>
+            <a:endParaRPr lang="zh-CN" altLang="en-US" dirty="0"/>
+          </a:p>
+          <a:p>
+            <a:r>
+              <a:rPr lang="en-US" altLang="zh-CN" dirty="0" err="1"/>
+              <a:t>Schedulers.computation</a:t>
+            </a:r>
+            <a:r>
+              <a:rPr lang="en-US" altLang="zh-CN" dirty="0" smtClean="0"/>
+              <a:t>()</a:t>
+            </a:r>
+          </a:p>
+          <a:p>
+            <a:pPr marL="0" indent="0">
+              <a:buNone/>
+            </a:pPr>
+            <a:r>
+              <a:rPr lang="en-US" altLang="zh-CN" dirty="0"/>
+              <a:t> </a:t>
+            </a:r>
+            <a:r>
+              <a:rPr lang="en-US" altLang="zh-CN" dirty="0" smtClean="0"/>
+              <a:t>      </a:t>
+            </a:r>
+            <a:r>
+              <a:rPr lang="zh-CN" altLang="en-US" dirty="0" smtClean="0"/>
+              <a:t>计算</a:t>
+            </a:r>
+            <a:r>
+              <a:rPr lang="zh-CN" altLang="en-US" dirty="0"/>
+              <a:t>所使用的 </a:t>
+            </a:r>
+            <a:r>
+              <a:rPr lang="en-US" altLang="zh-CN" dirty="0"/>
+              <a:t>Scheduler</a:t>
+            </a:r>
+            <a:r>
+              <a:rPr lang="zh-CN" altLang="en-US" dirty="0"/>
+              <a:t>。这个计算指的是 </a:t>
+            </a:r>
+            <a:r>
+              <a:rPr lang="en-US" altLang="zh-CN" dirty="0"/>
+              <a:t>CPU </a:t>
+            </a:r>
+            <a:r>
+              <a:rPr lang="zh-CN" altLang="en-US" dirty="0"/>
+              <a:t>密集型计算，即不会被 </a:t>
+            </a:r>
+            <a:r>
+              <a:rPr lang="en-US" altLang="zh-CN" dirty="0"/>
+              <a:t>I/O </a:t>
+            </a:r>
+            <a:r>
+              <a:rPr lang="zh-CN" altLang="en-US" dirty="0"/>
+              <a:t>等操作限制性能的操作，例如图形的计算。这个 </a:t>
+            </a:r>
+            <a:r>
+              <a:rPr lang="en-US" altLang="zh-CN" dirty="0"/>
+              <a:t>Scheduler </a:t>
+            </a:r>
+            <a:r>
+              <a:rPr lang="zh-CN" altLang="en-US" dirty="0"/>
+              <a:t>使用的固定的线程池，大小为 </a:t>
+            </a:r>
+            <a:r>
+              <a:rPr lang="en-US" altLang="zh-CN" dirty="0"/>
+              <a:t>CPU </a:t>
+            </a:r>
+            <a:r>
+              <a:rPr lang="zh-CN" altLang="en-US" dirty="0"/>
+              <a:t>核数。不要把 </a:t>
+            </a:r>
+            <a:r>
+              <a:rPr lang="en-US" altLang="zh-CN" dirty="0"/>
+              <a:t>I/O </a:t>
+            </a:r>
+            <a:r>
+              <a:rPr lang="zh-CN" altLang="en-US" dirty="0"/>
+              <a:t>操作放在 </a:t>
+            </a:r>
+            <a:r>
+              <a:rPr lang="en-US" altLang="zh-CN" dirty="0"/>
+              <a:t>computation() </a:t>
+            </a:r>
+            <a:r>
+              <a:rPr lang="zh-CN" altLang="en-US" dirty="0"/>
+              <a:t>中，否则 </a:t>
+            </a:r>
+            <a:r>
+              <a:rPr lang="en-US" altLang="zh-CN" dirty="0"/>
+              <a:t>I/O </a:t>
+            </a:r>
+            <a:r>
+              <a:rPr lang="zh-CN" altLang="en-US" dirty="0"/>
+              <a:t>操作的等待时间会浪费 </a:t>
+            </a:r>
+            <a:r>
+              <a:rPr lang="en-US" altLang="zh-CN" dirty="0"/>
+              <a:t>CPU</a:t>
+            </a:r>
+            <a:r>
+              <a:rPr lang="zh-CN" altLang="en-US" dirty="0" smtClean="0"/>
+              <a:t>。</a:t>
+            </a:r>
+            <a:endParaRPr lang="en-US" altLang="zh-CN" dirty="0" smtClean="0"/>
+          </a:p>
+          <a:p>
+            <a:pPr marL="0" indent="0">
+              <a:buNone/>
+            </a:pPr>
+            <a:endParaRPr lang="zh-CN" altLang="en-US" dirty="0"/>
+          </a:p>
+          <a:p>
+            <a:r>
+              <a:rPr lang="en-US" altLang="zh-CN" dirty="0" err="1" smtClean="0"/>
+              <a:t>AndroidSchedulers.mainThread</a:t>
+            </a:r>
+            <a:r>
+              <a:rPr lang="en-US" altLang="zh-CN" dirty="0" smtClean="0"/>
+              <a:t>()</a:t>
+            </a:r>
+          </a:p>
+          <a:p>
+            <a:pPr marL="0" indent="0">
+              <a:buNone/>
+            </a:pPr>
+            <a:r>
+              <a:rPr lang="zh-CN" altLang="en-US" dirty="0"/>
+              <a:t> </a:t>
+            </a:r>
+            <a:r>
+              <a:rPr lang="zh-CN" altLang="en-US" dirty="0" smtClean="0"/>
+              <a:t>     它</a:t>
+            </a:r>
+            <a:r>
+              <a:rPr lang="zh-CN" altLang="en-US" dirty="0"/>
+              <a:t>指定的操作将在 </a:t>
+            </a:r>
+            <a:r>
+              <a:rPr lang="en-US" altLang="zh-CN" dirty="0"/>
+              <a:t>Android </a:t>
+            </a:r>
+            <a:r>
+              <a:rPr lang="zh-CN" altLang="en-US" dirty="0"/>
+              <a:t>主线程运行。</a:t>
+            </a:r>
+          </a:p>
+          <a:p>
+            <a:pPr marL="0" indent="0">
+              <a:buNone/>
+            </a:pPr>
+            <a:endParaRPr lang="en-US" altLang="zh-CN" dirty="0" smtClean="0"/>
           </a:p>
         </p:txBody>
       </p:sp>
     </p:spTree>
     <p:extLst>
       <p:ext uri="{BB962C8B-B14F-4D97-AF65-F5344CB8AC3E}">
-        <p14:creationId xmlns:p14="http://schemas.microsoft.com/office/powerpoint/2010/main" val="359113173"/>
+        <p14:creationId xmlns:p14="http://schemas.microsoft.com/office/powerpoint/2010/main" val="2965441452"/>
       </p:ext>
     </p:extLst>
   </p:cSld>
@@ -3975,6 +4306,284 @@
           <a:chExt cx="0" cy="0"/>
         </a:xfrm>
       </p:grpSpPr>
+      <p:pic>
+        <p:nvPicPr>
+          <p:cNvPr id="4" name="内容占位符 3"/>
+          <p:cNvPicPr>
+            <a:picLocks noGrp="1" noChangeAspect="1"/>
+          </p:cNvPicPr>
+          <p:nvPr>
+            <p:ph idx="1"/>
+          </p:nvPr>
+        </p:nvPicPr>
+        <p:blipFill>
+          <a:blip r:embed="rId2">
+            <a:extLst>
+              <a:ext uri="{28A0092B-C50C-407E-A947-70E740481C1C}">
+                <a14:useLocalDpi xmlns:a14="http://schemas.microsoft.com/office/drawing/2010/main" val="0"/>
+              </a:ext>
+            </a:extLst>
+          </a:blip>
+          <a:stretch>
+            <a:fillRect/>
+          </a:stretch>
+        </p:blipFill>
+        <p:spPr>
+          <a:xfrm>
+            <a:off x="2843808" y="3501008"/>
+            <a:ext cx="5985081" cy="2880320"/>
+          </a:xfrm>
+        </p:spPr>
+      </p:pic>
+      <p:pic>
+        <p:nvPicPr>
+          <p:cNvPr id="5" name="图片 4"/>
+          <p:cNvPicPr>
+            <a:picLocks noChangeAspect="1"/>
+          </p:cNvPicPr>
+          <p:nvPr/>
+        </p:nvPicPr>
+        <p:blipFill>
+          <a:blip r:embed="rId3">
+            <a:extLst>
+              <a:ext uri="{28A0092B-C50C-407E-A947-70E740481C1C}">
+                <a14:useLocalDpi xmlns:a14="http://schemas.microsoft.com/office/drawing/2010/main" val="0"/>
+              </a:ext>
+            </a:extLst>
+          </a:blip>
+          <a:stretch>
+            <a:fillRect/>
+          </a:stretch>
+        </p:blipFill>
+        <p:spPr>
+          <a:xfrm>
+            <a:off x="251520" y="323529"/>
+            <a:ext cx="6195049" cy="2952328"/>
+          </a:xfrm>
+          <a:prstGeom prst="rect">
+            <a:avLst/>
+          </a:prstGeom>
+        </p:spPr>
+      </p:pic>
+      <p:sp>
+        <p:nvSpPr>
+          <p:cNvPr id="6" name="TextBox 5"/>
+          <p:cNvSpPr txBox="1"/>
+          <p:nvPr/>
+        </p:nvSpPr>
+        <p:spPr>
+          <a:xfrm rot="16200000">
+            <a:off x="7534090" y="620689"/>
+            <a:ext cx="430887" cy="2592287"/>
+          </a:xfrm>
+          <a:prstGeom prst="rect">
+            <a:avLst/>
+          </a:prstGeom>
+          <a:noFill/>
+        </p:spPr>
+        <p:txBody>
+          <a:bodyPr vert="eaVert" wrap="square" rtlCol="0">
+            <a:spAutoFit/>
+          </a:bodyPr>
+          <a:lstStyle/>
+          <a:p>
+            <a:r>
+              <a:rPr lang="zh-CN" altLang="en-US" sz="1600" dirty="0" smtClean="0"/>
+              <a:t>图</a:t>
+            </a:r>
+            <a:r>
+              <a:rPr lang="en-US" altLang="zh-CN" sz="1600" dirty="0" smtClean="0"/>
+              <a:t>1-5 </a:t>
+            </a:r>
+            <a:r>
+              <a:rPr lang="en-US" altLang="zh-CN" sz="1600" dirty="0" err="1" smtClean="0"/>
+              <a:t>subscribeOn</a:t>
+            </a:r>
+            <a:r>
+              <a:rPr lang="zh-CN" altLang="en-US" sz="1600" dirty="0" smtClean="0"/>
+              <a:t>示意图</a:t>
+            </a:r>
+            <a:r>
+              <a:rPr lang="en-US" altLang="zh-CN" sz="1600" dirty="0" smtClean="0"/>
+              <a:t> </a:t>
+            </a:r>
+            <a:endParaRPr lang="zh-CN" altLang="en-US" sz="1600" dirty="0"/>
+          </a:p>
+        </p:txBody>
+      </p:sp>
+      <p:sp>
+        <p:nvSpPr>
+          <p:cNvPr id="7" name="TextBox 6"/>
+          <p:cNvSpPr txBox="1"/>
+          <p:nvPr/>
+        </p:nvSpPr>
+        <p:spPr>
+          <a:xfrm rot="16200000">
+            <a:off x="1332220" y="3625899"/>
+            <a:ext cx="430887" cy="2592287"/>
+          </a:xfrm>
+          <a:prstGeom prst="rect">
+            <a:avLst/>
+          </a:prstGeom>
+          <a:noFill/>
+        </p:spPr>
+        <p:txBody>
+          <a:bodyPr vert="eaVert" wrap="square" rtlCol="0">
+            <a:spAutoFit/>
+          </a:bodyPr>
+          <a:lstStyle/>
+          <a:p>
+            <a:r>
+              <a:rPr lang="zh-CN" altLang="en-US" sz="1600" dirty="0" smtClean="0"/>
+              <a:t>图</a:t>
+            </a:r>
+            <a:r>
+              <a:rPr lang="en-US" altLang="zh-CN" sz="1600" dirty="0" smtClean="0"/>
+              <a:t>1-6 </a:t>
+            </a:r>
+            <a:r>
+              <a:rPr lang="en-US" altLang="zh-CN" sz="1600" dirty="0" err="1" smtClean="0"/>
+              <a:t>observeOn</a:t>
+            </a:r>
+            <a:r>
+              <a:rPr lang="zh-CN" altLang="en-US" sz="1600" dirty="0" smtClean="0"/>
+              <a:t>示意图</a:t>
+            </a:r>
+            <a:r>
+              <a:rPr lang="en-US" altLang="zh-CN" sz="1600" dirty="0" smtClean="0"/>
+              <a:t> </a:t>
+            </a:r>
+            <a:endParaRPr lang="zh-CN" altLang="en-US" sz="1600" dirty="0"/>
+          </a:p>
+        </p:txBody>
+      </p:sp>
+    </p:spTree>
+    <p:extLst>
+      <p:ext uri="{BB962C8B-B14F-4D97-AF65-F5344CB8AC3E}">
+        <p14:creationId xmlns:p14="http://schemas.microsoft.com/office/powerpoint/2010/main" val="1353591138"/>
+      </p:ext>
+    </p:extLst>
+  </p:cSld>
+  <p:clrMapOvr>
+    <a:masterClrMapping/>
+  </p:clrMapOvr>
+</p:sld>
+</file>
+
+<file path=ppt/slides/slide15.xml><?xml version="1.0" encoding="utf-8"?>
+<p:sld xmlns:a="http://schemas.openxmlformats.org/drawingml/2006/main" xmlns:r="http://schemas.openxmlformats.org/officeDocument/2006/relationships" xmlns:p="http://schemas.openxmlformats.org/presentationml/2006/main">
+  <p:cSld>
+    <p:spTree>
+      <p:nvGrpSpPr>
+        <p:cNvPr id="1" name=""/>
+        <p:cNvGrpSpPr/>
+        <p:nvPr/>
+      </p:nvGrpSpPr>
+      <p:grpSpPr>
+        <a:xfrm>
+          <a:off x="0" y="0"/>
+          <a:ext cx="0" cy="0"/>
+          <a:chOff x="0" y="0"/>
+          <a:chExt cx="0" cy="0"/>
+        </a:xfrm>
+      </p:grpSpPr>
+      <p:pic>
+        <p:nvPicPr>
+          <p:cNvPr id="4" name="内容占位符 3"/>
+          <p:cNvPicPr>
+            <a:picLocks noGrp="1" noChangeAspect="1"/>
+          </p:cNvPicPr>
+          <p:nvPr>
+            <p:ph idx="1"/>
+          </p:nvPr>
+        </p:nvPicPr>
+        <p:blipFill>
+          <a:blip r:embed="rId2">
+            <a:extLst>
+              <a:ext uri="{28A0092B-C50C-407E-A947-70E740481C1C}">
+                <a14:useLocalDpi xmlns:a14="http://schemas.microsoft.com/office/drawing/2010/main" val="0"/>
+              </a:ext>
+            </a:extLst>
+          </a:blip>
+          <a:stretch>
+            <a:fillRect/>
+          </a:stretch>
+        </p:blipFill>
+        <p:spPr>
+          <a:xfrm>
+            <a:off x="827584" y="476672"/>
+            <a:ext cx="5387256" cy="5576888"/>
+          </a:xfrm>
+        </p:spPr>
+      </p:pic>
+      <p:sp>
+        <p:nvSpPr>
+          <p:cNvPr id="5" name="TextBox 4"/>
+          <p:cNvSpPr txBox="1"/>
+          <p:nvPr/>
+        </p:nvSpPr>
+        <p:spPr>
+          <a:xfrm>
+            <a:off x="5724128" y="4437112"/>
+            <a:ext cx="2964273" cy="338554"/>
+          </a:xfrm>
+          <a:prstGeom prst="rect">
+            <a:avLst/>
+          </a:prstGeom>
+          <a:noFill/>
+        </p:spPr>
+        <p:txBody>
+          <a:bodyPr wrap="none" rtlCol="0">
+            <a:spAutoFit/>
+          </a:bodyPr>
+          <a:lstStyle/>
+          <a:p>
+            <a:r>
+              <a:rPr lang="zh-CN" altLang="en-US" sz="1600" dirty="0" smtClean="0"/>
+              <a:t>图</a:t>
+            </a:r>
+            <a:r>
+              <a:rPr lang="en-US" altLang="zh-CN" sz="1600" dirty="0" smtClean="0"/>
+              <a:t>1-7 </a:t>
+            </a:r>
+            <a:r>
+              <a:rPr lang="zh-CN" altLang="en-US" sz="1600" dirty="0" smtClean="0"/>
+              <a:t>多次调度，线程变换情况</a:t>
+            </a:r>
+            <a:endParaRPr lang="zh-CN" altLang="en-US" sz="1600" dirty="0"/>
+          </a:p>
+        </p:txBody>
+      </p:sp>
+    </p:spTree>
+    <p:extLst>
+      <p:ext uri="{BB962C8B-B14F-4D97-AF65-F5344CB8AC3E}">
+        <p14:creationId xmlns:p14="http://schemas.microsoft.com/office/powerpoint/2010/main" val="4060287337"/>
+      </p:ext>
+    </p:extLst>
+  </p:cSld>
+  <p:clrMapOvr>
+    <a:masterClrMapping/>
+  </p:clrMapOvr>
+</p:sld>
+</file>
+
+<file path=ppt/slides/slide16.xml><?xml version="1.0" encoding="utf-8"?>
+<p:sld xmlns:a="http://schemas.openxmlformats.org/drawingml/2006/main" xmlns:r="http://schemas.openxmlformats.org/officeDocument/2006/relationships" xmlns:p="http://schemas.openxmlformats.org/presentationml/2006/main">
+  <p:cSld>
+    <p:spTree>
+      <p:nvGrpSpPr>
+        <p:cNvPr id="1" name=""/>
+        <p:cNvGrpSpPr/>
+        <p:nvPr/>
+      </p:nvGrpSpPr>
+      <p:grpSpPr>
+        <a:xfrm>
+          <a:off x="0" y="0"/>
+          <a:ext cx="0" cy="0"/>
+          <a:chOff x="0" y="0"/>
+          <a:chExt cx="0" cy="0"/>
+        </a:xfrm>
+      </p:grpSpPr>
       <p:sp>
         <p:nvSpPr>
           <p:cNvPr id="2" name="标题 1"/>
@@ -4029,7 +4638,15 @@
             </a:r>
             <a:r>
               <a:rPr lang="en-US" altLang="zh-CN" sz="2000" dirty="0" smtClean="0"/>
-              <a:t>1: subscribe</a:t>
+              <a:t>1</a:t>
+            </a:r>
+            <a:r>
+              <a:rPr lang="zh-CN" altLang="en-US" sz="2000" dirty="0" smtClean="0"/>
+              <a:t>：</a:t>
+            </a:r>
+            <a:r>
+              <a:rPr lang="en-US" altLang="zh-CN" sz="2000" dirty="0" smtClean="0"/>
+              <a:t>subscribe</a:t>
             </a:r>
             <a:r>
               <a:rPr lang="en-US" altLang="zh-CN" sz="2000" dirty="0"/>
@@ -4198,7 +4815,7 @@
 </p:sld>
 </file>
 
-<file path=ppt/slides/slide15.xml><?xml version="1.0" encoding="utf-8"?>
+<file path=ppt/slides/slide17.xml><?xml version="1.0" encoding="utf-8"?>
 <p:sld xmlns:a="http://schemas.openxmlformats.org/drawingml/2006/main" xmlns:r="http://schemas.openxmlformats.org/officeDocument/2006/relationships" xmlns:p="http://schemas.openxmlformats.org/presentationml/2006/main">
   <p:cSld>
     <p:spTree>
@@ -4243,7 +4860,7 @@
             </a:r>
             <a:r>
               <a:rPr lang="en-US" altLang="zh-CN" sz="2400" dirty="0" smtClean="0"/>
-              <a:t>3 </a:t>
+              <a:t>3</a:t>
             </a:r>
             <a:r>
               <a:rPr lang="zh-CN" altLang="en-US" sz="2400" dirty="0" smtClean="0"/>
@@ -4301,16 +4918,20 @@
               <a:t>问题</a:t>
             </a:r>
             <a:r>
+              <a:rPr lang="en-US" altLang="zh-CN" sz="2400" dirty="0" smtClean="0"/>
+              <a:t>4</a:t>
+            </a:r>
+            <a:r>
+              <a:rPr lang="zh-CN" altLang="en-US" sz="2400" dirty="0"/>
+              <a:t>：</a:t>
+            </a:r>
+            <a:r>
+              <a:rPr lang="en-US" altLang="zh-CN" sz="2400" dirty="0" smtClean="0"/>
+              <a:t>Implementing </a:t>
+            </a:r>
+            <a:r>
               <a:rPr lang="en-US" altLang="zh-CN" sz="2400" dirty="0"/>
-              <a:t>4</a:t>
-            </a:r>
-            <a:r>
-              <a:rPr lang="zh-CN" altLang="en-US" sz="2400" dirty="0" smtClean="0"/>
-              <a:t>：</a:t>
-            </a:r>
-            <a:r>
-              <a:rPr lang="en-US" altLang="zh-CN" sz="2400" dirty="0"/>
-              <a:t>Implementing Your Own Operators</a:t>
+              <a:t>Your Own Operators</a:t>
             </a:r>
           </a:p>
           <a:p>
@@ -4376,6 +4997,267 @@
       </p:par>
     </p:tnLst>
   </p:timing>
+</p:sld>
+</file>
+
+<file path=ppt/slides/slide18.xml><?xml version="1.0" encoding="utf-8"?>
+<p:sld xmlns:a="http://schemas.openxmlformats.org/drawingml/2006/main" xmlns:r="http://schemas.openxmlformats.org/officeDocument/2006/relationships" xmlns:p="http://schemas.openxmlformats.org/presentationml/2006/main">
+  <p:cSld>
+    <p:spTree>
+      <p:nvGrpSpPr>
+        <p:cNvPr id="1" name=""/>
+        <p:cNvGrpSpPr/>
+        <p:nvPr/>
+      </p:nvGrpSpPr>
+      <p:grpSpPr>
+        <a:xfrm>
+          <a:off x="0" y="0"/>
+          <a:ext cx="0" cy="0"/>
+          <a:chOff x="0" y="0"/>
+          <a:chExt cx="0" cy="0"/>
+        </a:xfrm>
+      </p:grpSpPr>
+      <p:sp>
+        <p:nvSpPr>
+          <p:cNvPr id="2" name="标题 1"/>
+          <p:cNvSpPr>
+            <a:spLocks noGrp="1"/>
+          </p:cNvSpPr>
+          <p:nvPr>
+            <p:ph type="title"/>
+          </p:nvPr>
+        </p:nvSpPr>
+        <p:spPr/>
+        <p:txBody>
+          <a:bodyPr/>
+          <a:lstStyle/>
+          <a:p>
+            <a:r>
+              <a:rPr lang="zh-CN" altLang="en-US" dirty="0" smtClean="0"/>
+              <a:t>相关</a:t>
+            </a:r>
+            <a:r>
+              <a:rPr lang="zh-CN" altLang="en-US" dirty="0" smtClean="0"/>
+              <a:t>项目及参考文献</a:t>
+            </a:r>
+            <a:endParaRPr lang="zh-CN" altLang="en-US" dirty="0"/>
+          </a:p>
+        </p:txBody>
+      </p:sp>
+      <p:sp>
+        <p:nvSpPr>
+          <p:cNvPr id="3" name="内容占位符 2"/>
+          <p:cNvSpPr>
+            <a:spLocks noGrp="1"/>
+          </p:cNvSpPr>
+          <p:nvPr>
+            <p:ph idx="1"/>
+          </p:nvPr>
+        </p:nvSpPr>
+        <p:spPr/>
+        <p:txBody>
+          <a:bodyPr/>
+          <a:lstStyle/>
+          <a:p>
+            <a:r>
+              <a:rPr lang="zh-CN" altLang="en-US" dirty="0" smtClean="0"/>
+              <a:t>项目</a:t>
+            </a:r>
+            <a:endParaRPr lang="en-US" altLang="zh-CN" dirty="0">
+              <a:hlinkClick r:id="rId2"/>
+            </a:endParaRPr>
+          </a:p>
+          <a:p>
+            <a:pPr>
+              <a:buFont typeface="Wingdings" pitchFamily="2" charset="2"/>
+              <a:buChar char="ü"/>
+            </a:pPr>
+            <a:r>
+              <a:rPr lang="en-US" altLang="zh-CN" sz="2000" dirty="0" smtClean="0">
+                <a:hlinkClick r:id="rId2"/>
+              </a:rPr>
+              <a:t>https</a:t>
+            </a:r>
+            <a:r>
+              <a:rPr lang="en-US" altLang="zh-CN" sz="2000" dirty="0">
+                <a:hlinkClick r:id="rId2"/>
+              </a:rPr>
+              <a:t>://github.com/ReactiveX/RxJava</a:t>
+            </a:r>
+          </a:p>
+          <a:p>
+            <a:pPr>
+              <a:buFont typeface="Wingdings" pitchFamily="2" charset="2"/>
+              <a:buChar char="ü"/>
+            </a:pPr>
+            <a:r>
+              <a:rPr lang="en-US" altLang="zh-CN" sz="2000" dirty="0" smtClean="0">
+                <a:hlinkClick r:id="rId2"/>
+              </a:rPr>
+              <a:t>https</a:t>
+            </a:r>
+            <a:r>
+              <a:rPr lang="en-US" altLang="zh-CN" sz="2000" dirty="0">
+                <a:hlinkClick r:id="rId2"/>
+              </a:rPr>
+              <a:t>://github.com/ReactiveX/RxAndroid</a:t>
+            </a:r>
+            <a:endParaRPr lang="en-US" altLang="zh-CN" sz="2000" dirty="0" smtClean="0">
+              <a:hlinkClick r:id="rId2"/>
+            </a:endParaRPr>
+          </a:p>
+          <a:p>
+            <a:pPr>
+              <a:buFont typeface="Wingdings" pitchFamily="2" charset="2"/>
+              <a:buChar char="ü"/>
+            </a:pPr>
+            <a:r>
+              <a:rPr lang="en-US" altLang="zh-CN" sz="2000" dirty="0" smtClean="0">
+                <a:hlinkClick r:id="rId2"/>
+              </a:rPr>
+              <a:t>https</a:t>
+            </a:r>
+            <a:r>
+              <a:rPr lang="en-US" altLang="zh-CN" sz="2000" dirty="0">
+                <a:hlinkClick r:id="rId2"/>
+              </a:rPr>
+              <a:t>://</a:t>
+            </a:r>
+            <a:r>
+              <a:rPr lang="en-US" altLang="zh-CN" sz="2000" dirty="0" smtClean="0">
+                <a:hlinkClick r:id="rId2"/>
+              </a:rPr>
+              <a:t>github.com/JakeWharton/RxBinding</a:t>
+            </a:r>
+          </a:p>
+          <a:p>
+            <a:r>
+              <a:rPr lang="zh-CN" altLang="en-US" dirty="0" smtClean="0"/>
+              <a:t>参考文献</a:t>
+            </a:r>
+            <a:endParaRPr lang="en-US" altLang="zh-CN" dirty="0" smtClean="0"/>
+          </a:p>
+          <a:p>
+            <a:pPr marL="0" indent="0">
+              <a:buNone/>
+            </a:pPr>
+            <a:r>
+              <a:rPr lang="en-US" altLang="zh-CN" sz="2000" dirty="0" smtClean="0"/>
+              <a:t>      </a:t>
+            </a:r>
+            <a:r>
+              <a:rPr lang="en-US" altLang="zh-CN" sz="2000" dirty="0" smtClean="0">
+                <a:hlinkClick r:id="rId3"/>
+              </a:rPr>
+              <a:t>http</a:t>
+            </a:r>
+            <a:r>
+              <a:rPr lang="en-US" altLang="zh-CN" sz="2000" dirty="0">
+                <a:hlinkClick r:id="rId3"/>
+              </a:rPr>
+              <a:t>://</a:t>
+            </a:r>
+            <a:r>
+              <a:rPr lang="en-US" altLang="zh-CN" sz="2000" dirty="0" smtClean="0">
+                <a:hlinkClick r:id="rId3"/>
+              </a:rPr>
+              <a:t>gank.io/post/560e15be2dca930e00da1083</a:t>
+            </a:r>
+            <a:r>
+              <a:rPr lang="en-US" altLang="zh-CN" sz="2000" dirty="0" smtClean="0"/>
+              <a:t> </a:t>
+            </a:r>
+          </a:p>
+          <a:p>
+            <a:pPr marL="0" indent="0">
+              <a:buNone/>
+            </a:pPr>
+            <a:r>
+              <a:rPr lang="zh-CN" altLang="en-US" sz="2000" dirty="0" smtClean="0"/>
+              <a:t>     非常感谢</a:t>
+            </a:r>
+            <a:r>
+              <a:rPr lang="zh-CN" altLang="en-US" sz="2000" dirty="0">
+                <a:hlinkClick r:id="rId4"/>
+              </a:rPr>
+              <a:t>扔物</a:t>
+            </a:r>
+            <a:r>
+              <a:rPr lang="zh-CN" altLang="en-US" sz="2000" dirty="0" smtClean="0">
+                <a:hlinkClick r:id="rId4"/>
+              </a:rPr>
+              <a:t>线</a:t>
+            </a:r>
+            <a:r>
+              <a:rPr lang="zh-CN" altLang="en-US" sz="2000" dirty="0" smtClean="0"/>
+              <a:t> 的这篇博客，受益匪浅。</a:t>
+            </a:r>
+            <a:endParaRPr lang="en-US" altLang="zh-CN" sz="2000" dirty="0" smtClean="0"/>
+          </a:p>
+          <a:p>
+            <a:pPr marL="0" indent="0">
+              <a:buNone/>
+            </a:pPr>
+            <a:r>
+              <a:rPr lang="en-US" altLang="zh-CN" sz="2000" dirty="0"/>
+              <a:t> </a:t>
+            </a:r>
+            <a:r>
+              <a:rPr lang="en-US" altLang="zh-CN" sz="2000" dirty="0"/>
+              <a:t>     </a:t>
+            </a:r>
+            <a:r>
+              <a:rPr lang="en-US" altLang="zh-CN" sz="2000" dirty="0">
+                <a:hlinkClick r:id="rId5"/>
+              </a:rPr>
+              <a:t>https://</a:t>
+            </a:r>
+            <a:r>
+              <a:rPr lang="en-US" altLang="zh-CN" sz="2000" dirty="0" smtClean="0">
+                <a:hlinkClick r:id="rId5"/>
+              </a:rPr>
+              <a:t>www.youtube.com/watch?v=k3D0cWyNno4</a:t>
+            </a:r>
+            <a:endParaRPr lang="en-US" altLang="zh-CN" sz="2000" dirty="0" smtClean="0"/>
+          </a:p>
+          <a:p>
+            <a:pPr marL="0" indent="0">
+              <a:buNone/>
+            </a:pPr>
+            <a:r>
+              <a:rPr lang="en-US" altLang="zh-CN" sz="2000" dirty="0"/>
+              <a:t> </a:t>
+            </a:r>
+            <a:r>
+              <a:rPr lang="en-US" altLang="zh-CN" sz="2000" dirty="0" smtClean="0"/>
+              <a:t>     </a:t>
+            </a:r>
+            <a:r>
+              <a:rPr lang="zh-CN" altLang="en-US" sz="2000" dirty="0" smtClean="0"/>
+              <a:t>国外相关的</a:t>
+            </a:r>
+            <a:r>
+              <a:rPr lang="en-US" altLang="zh-CN" sz="2000" dirty="0" err="1" smtClean="0"/>
+              <a:t>RxJava</a:t>
+            </a:r>
+            <a:r>
+              <a:rPr lang="zh-CN" altLang="en-US" sz="2000" dirty="0" smtClean="0"/>
+              <a:t>视频，讲的很透彻。</a:t>
+            </a:r>
+            <a:endParaRPr lang="zh-CN" altLang="en-US" sz="2000" dirty="0"/>
+          </a:p>
+        </p:txBody>
+      </p:sp>
+    </p:spTree>
+    <p:extLst>
+      <p:ext uri="{BB962C8B-B14F-4D97-AF65-F5344CB8AC3E}">
+        <p14:creationId xmlns:p14="http://schemas.microsoft.com/office/powerpoint/2010/main" val="3608555331"/>
+      </p:ext>
+    </p:extLst>
+  </p:cSld>
+  <p:clrMapOvr>
+    <a:masterClrMapping/>
+  </p:clrMapOvr>
 </p:sld>
 </file>
 
@@ -4820,9 +5702,71 @@
             </a:r>
             <a:r>
               <a:rPr lang="zh-CN" altLang="en-US" sz="2400" dirty="0" smtClean="0"/>
-              <a:t>等线程切换方式，一句话搞定线程调度。</a:t>
-            </a:r>
+              <a:t>等线程切换方式，一句话搞定线程调度</a:t>
+            </a:r>
+            <a:r>
+              <a:rPr lang="zh-CN" altLang="en-US" sz="2400" dirty="0" smtClean="0"/>
+              <a:t>。</a:t>
+            </a:r>
+            <a:endParaRPr lang="en-US" altLang="zh-CN" sz="2400" dirty="0" smtClean="0"/>
+          </a:p>
+          <a:p>
+            <a:pPr marL="0" indent="0">
+              <a:buNone/>
+            </a:pPr>
             <a:endParaRPr lang="en-US" altLang="zh-CN" sz="2400" dirty="0"/>
+          </a:p>
+          <a:p>
+            <a:pPr lvl="0"/>
+            <a:r>
+              <a:rPr lang="zh-CN" altLang="en-US" dirty="0" smtClean="0">
+                <a:solidFill>
+                  <a:prstClr val="black"/>
+                </a:solidFill>
+              </a:rPr>
+              <a:t> 方便对</a:t>
+            </a:r>
+            <a:r>
+              <a:rPr lang="en-US" altLang="zh-CN" dirty="0" smtClean="0">
+                <a:solidFill>
+                  <a:prstClr val="black"/>
+                </a:solidFill>
+              </a:rPr>
+              <a:t>View</a:t>
+            </a:r>
+            <a:r>
+              <a:rPr lang="zh-CN" altLang="en-US" dirty="0" smtClean="0">
+                <a:solidFill>
+                  <a:prstClr val="black"/>
+                </a:solidFill>
+              </a:rPr>
+              <a:t>的操作</a:t>
+            </a:r>
+            <a:endParaRPr lang="en-US" altLang="zh-CN" dirty="0">
+              <a:solidFill>
+                <a:prstClr val="black"/>
+              </a:solidFill>
+            </a:endParaRPr>
+          </a:p>
+          <a:p>
+            <a:pPr marL="0" indent="0">
+              <a:buNone/>
+            </a:pPr>
+            <a:r>
+              <a:rPr lang="en-US" altLang="zh-CN" sz="2400" dirty="0" smtClean="0"/>
+              <a:t>      </a:t>
+            </a:r>
+            <a:r>
+              <a:rPr lang="en-US" altLang="zh-CN" sz="2400" dirty="0" err="1" smtClean="0">
+                <a:hlinkClick r:id="rId2"/>
+              </a:rPr>
+              <a:t>RxBinding</a:t>
+            </a:r>
+            <a:r>
+              <a:rPr lang="en-US" altLang="zh-CN" sz="2400" dirty="0" smtClean="0"/>
+              <a:t>  </a:t>
+            </a:r>
+            <a:endParaRPr lang="en-US" altLang="zh-CN" sz="2400" dirty="0" smtClean="0"/>
           </a:p>
           <a:p>
             <a:pPr marL="0" indent="0">
@@ -5571,8 +6515,16 @@
               <a:t>onNext</a:t>
             </a:r>
             <a:r>
+              <a:rPr lang="en-US" altLang="zh-CN" sz="2400" dirty="0" smtClean="0"/>
+              <a:t>()</a:t>
+            </a:r>
+            <a:r>
               <a:rPr lang="zh-CN" altLang="en-US" sz="2400" dirty="0" smtClean="0"/>
-              <a:t>（）：执行要做的操作</a:t>
+              <a:t>：</a:t>
+            </a:r>
+            <a:r>
+              <a:rPr lang="zh-CN" altLang="en-US" sz="2400" dirty="0" smtClean="0"/>
+              <a:t>执行要做的操作</a:t>
             </a:r>
             <a:endParaRPr lang="en-US" altLang="zh-CN" sz="2400" dirty="0" smtClean="0"/>
           </a:p>
@@ -5597,8 +6549,16 @@
               <a:t>onComplete</a:t>
             </a:r>
             <a:r>
+              <a:rPr lang="en-US" altLang="zh-CN" sz="2400" dirty="0" smtClean="0"/>
+              <a:t>()</a:t>
+            </a:r>
+            <a:r>
               <a:rPr lang="zh-CN" altLang="en-US" sz="2400" dirty="0" smtClean="0"/>
-              <a:t>（）：事件队列完结。</a:t>
+              <a:t>：</a:t>
+            </a:r>
+            <a:r>
+              <a:rPr lang="zh-CN" altLang="en-US" sz="2400" dirty="0" smtClean="0"/>
+              <a:t>事件队列完结。</a:t>
             </a:r>
             <a:endParaRPr lang="en-US" altLang="zh-CN" sz="2400" dirty="0" smtClean="0"/>
           </a:p>
@@ -5623,8 +6583,16 @@
               <a:t>onError</a:t>
             </a:r>
             <a:r>
+              <a:rPr lang="en-US" altLang="zh-CN" sz="2400" dirty="0" smtClean="0"/>
+              <a:t>()</a:t>
+            </a:r>
+            <a:r>
               <a:rPr lang="zh-CN" altLang="en-US" sz="2400" dirty="0" smtClean="0"/>
-              <a:t>（）：事件队列异常，中断执行。</a:t>
+              <a:t>：</a:t>
+            </a:r>
+            <a:r>
+              <a:rPr lang="zh-CN" altLang="en-US" sz="2400" dirty="0" smtClean="0"/>
+              <a:t>事件队列异常，中断执行。</a:t>
             </a:r>
             <a:endParaRPr lang="en-US" altLang="zh-CN" sz="2400" dirty="0" smtClean="0"/>
           </a:p>
@@ -5645,16 +6613,20 @@
               <a:t>）</a:t>
             </a:r>
             <a:r>
-              <a:rPr lang="en-US" altLang="zh-CN" sz="2400" dirty="0" err="1"/>
-              <a:t>o</a:t>
-            </a:r>
-            <a:r>
               <a:rPr lang="en-US" altLang="zh-CN" sz="2400" dirty="0" err="1" smtClean="0"/>
-              <a:t>nStart</a:t>
+              <a:t>onStart</a:t>
+            </a:r>
+            <a:r>
+              <a:rPr lang="en-US" altLang="zh-CN" sz="2400" dirty="0" smtClean="0"/>
+              <a:t>()</a:t>
             </a:r>
             <a:r>
               <a:rPr lang="zh-CN" altLang="en-US" sz="2400" dirty="0" smtClean="0"/>
-              <a:t>（）：在开始事件传递之前做准备工作。</a:t>
+              <a:t>：</a:t>
+            </a:r>
+            <a:r>
+              <a:rPr lang="zh-CN" altLang="en-US" sz="2400" dirty="0" smtClean="0"/>
+              <a:t>在开始事件传递之前做准备工作。</a:t>
             </a:r>
             <a:endParaRPr lang="en-US" altLang="zh-CN" sz="2400" dirty="0" smtClean="0"/>
           </a:p>
@@ -5679,8 +6651,16 @@
               <a:t>unSubscribe</a:t>
             </a:r>
             <a:r>
+              <a:rPr lang="en-US" altLang="zh-CN" sz="2400" dirty="0" smtClean="0"/>
+              <a:t>()</a:t>
+            </a:r>
+            <a:r>
               <a:rPr lang="zh-CN" altLang="en-US" sz="2400" dirty="0" smtClean="0"/>
-              <a:t>（）：防止内存泄露。</a:t>
+              <a:t>：</a:t>
+            </a:r>
+            <a:r>
+              <a:rPr lang="zh-CN" altLang="en-US" sz="2400" dirty="0" smtClean="0"/>
+              <a:t>防止内存泄露。</a:t>
             </a:r>
             <a:endParaRPr lang="en-US" altLang="zh-CN" sz="2400" dirty="0" smtClean="0"/>
           </a:p>
@@ -5963,12 +6943,14 @@
         </p:nvSpPr>
         <p:spPr/>
         <p:txBody>
-          <a:bodyPr/>
+          <a:bodyPr>
+            <a:normAutofit/>
+          </a:bodyPr>
           <a:lstStyle/>
           <a:p>
             <a:r>
               <a:rPr lang="zh-CN" altLang="en-US" dirty="0" smtClean="0"/>
-              <a:t>五、线程控制</a:t>
+              <a:t>五、变换</a:t>
             </a:r>
             <a:endParaRPr lang="zh-CN" altLang="en-US" dirty="0"/>
           </a:p>
@@ -5986,51 +6968,156 @@
         </p:nvSpPr>
         <p:spPr/>
         <p:txBody>
-          <a:bodyPr/>
-          <a:lstStyle/>
-          <a:p>
-            <a:r>
-              <a:rPr lang="en-US" altLang="zh-CN" dirty="0" smtClean="0"/>
-              <a:t>Scheduler – </a:t>
-            </a:r>
-            <a:r>
-              <a:rPr lang="zh-CN" altLang="en-US" dirty="0" smtClean="0"/>
-              <a:t>调度器</a:t>
-            </a:r>
-            <a:endParaRPr lang="en-US" altLang="zh-CN" dirty="0" smtClean="0"/>
-          </a:p>
+          <a:bodyPr>
+            <a:normAutofit/>
+          </a:bodyPr>
+          <a:lstStyle/>
           <a:p>
             <a:pPr marL="0" indent="0">
               <a:buNone/>
             </a:pPr>
-            <a:r>
-              <a:rPr lang="en-US" altLang="zh-CN" dirty="0"/>
-              <a:t> </a:t>
-            </a:r>
             <a:r>
               <a:rPr lang="en-US" altLang="zh-CN" dirty="0" smtClean="0"/>
               <a:t>   </a:t>
             </a:r>
             <a:r>
+              <a:rPr lang="en-US" altLang="zh-CN" sz="2400" dirty="0" smtClean="0"/>
+              <a:t> </a:t>
+            </a:r>
+            <a:r>
               <a:rPr lang="zh-CN" altLang="en-US" sz="2400" dirty="0" smtClean="0"/>
-              <a:t>切换事件生产和</a:t>
-            </a:r>
-            <a:r>
-              <a:rPr lang="zh-CN" altLang="en-US" sz="2400" smtClean="0"/>
-              <a:t>消费的所在线程</a:t>
-            </a:r>
-            <a:r>
-              <a:rPr lang="zh-CN" altLang="en-US" sz="2400" dirty="0" smtClean="0"/>
-              <a:t>。</a:t>
-            </a:r>
-            <a:endParaRPr lang="zh-CN" altLang="en-US" sz="2400" dirty="0"/>
+              <a:t>将事件序列中的对象或整个事件序列进行加工处理，转换成不同是对象或事件序列。</a:t>
+            </a:r>
+            <a:endParaRPr lang="en-US" altLang="zh-CN" sz="2400" dirty="0" smtClean="0"/>
+          </a:p>
+          <a:p>
+            <a:pPr marL="0" indent="0">
+              <a:buNone/>
+            </a:pPr>
+            <a:r>
+              <a:rPr lang="en-US" altLang="zh-CN" sz="2800" dirty="0" smtClean="0"/>
+              <a:t>1)  API </a:t>
+            </a:r>
+            <a:endParaRPr lang="en-US" altLang="zh-CN" sz="2800" dirty="0"/>
+          </a:p>
+          <a:p>
+            <a:pPr marL="457200" indent="-457200">
+              <a:buAutoNum type="arabicParenR"/>
+            </a:pPr>
+            <a:endParaRPr lang="en-US" altLang="zh-CN" sz="2000" dirty="0" smtClean="0"/>
+          </a:p>
+          <a:p>
+            <a:r>
+              <a:rPr lang="en-US" altLang="zh-CN" sz="2000" dirty="0" smtClean="0"/>
+              <a:t>map</a:t>
+            </a:r>
+          </a:p>
+          <a:p>
+            <a:pPr marL="0" indent="0">
+              <a:buNone/>
+            </a:pPr>
+            <a:r>
+              <a:rPr lang="en-US" altLang="zh-CN" sz="2000" dirty="0"/>
+              <a:t> </a:t>
+            </a:r>
+            <a:r>
+              <a:rPr lang="en-US" altLang="zh-CN" sz="2000" dirty="0" smtClean="0"/>
+              <a:t>     </a:t>
+            </a:r>
+            <a:r>
+              <a:rPr lang="zh-CN" altLang="en-US" sz="2000" dirty="0" smtClean="0"/>
+              <a:t>一对一的变换，最简单的变化。</a:t>
+            </a:r>
+            <a:r>
+              <a:rPr lang="en-US" altLang="zh-CN" sz="2000" dirty="0" smtClean="0"/>
+              <a:t>Map()</a:t>
+            </a:r>
+            <a:r>
+              <a:rPr lang="zh-CN" altLang="en-US" sz="2000" dirty="0" smtClean="0"/>
+              <a:t>示意图如图</a:t>
+            </a:r>
+            <a:r>
+              <a:rPr lang="en-US" altLang="zh-CN" sz="2000" dirty="0" smtClean="0"/>
+              <a:t>1-1</a:t>
+            </a:r>
+            <a:r>
+              <a:rPr lang="zh-CN" altLang="en-US" sz="2000" dirty="0" smtClean="0"/>
+              <a:t>：</a:t>
+            </a:r>
+            <a:endParaRPr lang="en-US" altLang="zh-CN" sz="2000" dirty="0" smtClean="0"/>
+          </a:p>
+          <a:p>
+            <a:pPr marL="0" indent="0">
+              <a:buNone/>
+            </a:pPr>
+            <a:endParaRPr lang="en-US" altLang="zh-CN" sz="2000" dirty="0"/>
+          </a:p>
+          <a:p>
+            <a:r>
+              <a:rPr lang="en-US" altLang="zh-CN" sz="2000" dirty="0" err="1" smtClean="0"/>
+              <a:t>flatmap</a:t>
+            </a:r>
+            <a:endParaRPr lang="en-US" altLang="zh-CN" sz="2000" dirty="0"/>
+          </a:p>
+          <a:p>
+            <a:pPr marL="0" indent="0">
+              <a:buNone/>
+            </a:pPr>
+            <a:r>
+              <a:rPr lang="en-US" altLang="zh-CN" sz="2000" dirty="0"/>
+              <a:t>      </a:t>
+            </a:r>
+            <a:r>
+              <a:rPr lang="zh-CN" altLang="en-US" sz="2000" dirty="0"/>
+              <a:t>一对多的变换，返回结果是</a:t>
+            </a:r>
+            <a:r>
+              <a:rPr lang="en-US" altLang="zh-CN" sz="2000" dirty="0"/>
+              <a:t>Observable</a:t>
+            </a:r>
+            <a:r>
+              <a:rPr lang="zh-CN" altLang="en-US" sz="2000" dirty="0"/>
+              <a:t>对象，不直接传递给</a:t>
+            </a:r>
+            <a:r>
+              <a:rPr lang="en-US" altLang="zh-CN" sz="2000" dirty="0"/>
+              <a:t>Subscriber</a:t>
+            </a:r>
+            <a:r>
+              <a:rPr lang="zh-CN" altLang="en-US" sz="2000" dirty="0"/>
+              <a:t>，而是通知上层的</a:t>
+            </a:r>
+            <a:r>
+              <a:rPr lang="en-US" altLang="zh-CN" sz="2000" dirty="0"/>
+              <a:t>Observable</a:t>
+            </a:r>
+            <a:r>
+              <a:rPr lang="zh-CN" altLang="en-US" sz="2000" dirty="0"/>
+              <a:t>，统一发送通知。</a:t>
+            </a:r>
+            <a:r>
+              <a:rPr lang="en-US" altLang="zh-CN" sz="2000" dirty="0"/>
+              <a:t>   </a:t>
+            </a:r>
+          </a:p>
+          <a:p>
+            <a:pPr marL="0" indent="0">
+              <a:buNone/>
+            </a:pPr>
+            <a:endParaRPr lang="en-US" altLang="zh-CN" sz="2000" dirty="0" smtClean="0"/>
+          </a:p>
+          <a:p>
+            <a:pPr marL="0" indent="0">
+              <a:buNone/>
+            </a:pPr>
+            <a:endParaRPr lang="en-US" altLang="zh-CN" sz="2400" dirty="0" smtClean="0"/>
           </a:p>
         </p:txBody>
       </p:sp>
     </p:spTree>
     <p:extLst>
       <p:ext uri="{BB962C8B-B14F-4D97-AF65-F5344CB8AC3E}">
-        <p14:creationId xmlns:p14="http://schemas.microsoft.com/office/powerpoint/2010/main" val="1748879821"/>
+        <p14:creationId xmlns:p14="http://schemas.microsoft.com/office/powerpoint/2010/main" val="2507018378"/>
       </p:ext>
     </p:extLst>
   </p:cSld>
@@ -6064,75 +7151,150 @@
           <a:chExt cx="0" cy="0"/>
         </a:xfrm>
       </p:grpSpPr>
-      <p:sp>
-        <p:nvSpPr>
-          <p:cNvPr id="2" name="标题 1"/>
-          <p:cNvSpPr>
-            <a:spLocks noGrp="1"/>
-          </p:cNvSpPr>
-          <p:nvPr>
-            <p:ph type="title"/>
-          </p:nvPr>
-        </p:nvSpPr>
-        <p:spPr/>
-        <p:txBody>
-          <a:bodyPr>
-            <a:normAutofit/>
+      <p:pic>
+        <p:nvPicPr>
+          <p:cNvPr id="4" name="图片 3"/>
+          <p:cNvPicPr>
+            <a:picLocks noChangeAspect="1"/>
+          </p:cNvPicPr>
+          <p:nvPr/>
+        </p:nvPicPr>
+        <p:blipFill>
+          <a:blip r:embed="rId2">
+            <a:extLst>
+              <a:ext uri="{28A0092B-C50C-407E-A947-70E740481C1C}">
+                <a14:useLocalDpi xmlns:a14="http://schemas.microsoft.com/office/drawing/2010/main" val="0"/>
+              </a:ext>
+            </a:extLst>
+          </a:blip>
+          <a:stretch>
+            <a:fillRect/>
+          </a:stretch>
+        </p:blipFill>
+        <p:spPr>
+          <a:xfrm>
+            <a:off x="755576" y="487735"/>
+            <a:ext cx="3888432" cy="2730710"/>
+          </a:xfrm>
+          <a:prstGeom prst="rect">
+            <a:avLst/>
+          </a:prstGeom>
+        </p:spPr>
+      </p:pic>
+      <p:sp>
+        <p:nvSpPr>
+          <p:cNvPr id="5" name="TextBox 4"/>
+          <p:cNvSpPr txBox="1"/>
+          <p:nvPr/>
+        </p:nvSpPr>
+        <p:spPr>
+          <a:xfrm>
+            <a:off x="1547664" y="3242481"/>
+            <a:ext cx="1702710" cy="338554"/>
+          </a:xfrm>
+          <a:prstGeom prst="rect">
+            <a:avLst/>
+          </a:prstGeom>
+          <a:noFill/>
+        </p:spPr>
+        <p:txBody>
+          <a:bodyPr wrap="none" rtlCol="0">
+            <a:spAutoFit/>
           </a:bodyPr>
           <a:lstStyle/>
           <a:p>
             <a:r>
-              <a:rPr lang="en-US" altLang="zh-CN" dirty="0" err="1" smtClean="0"/>
-              <a:t>RxAndroid</a:t>
-            </a:r>
-            <a:endParaRPr lang="zh-CN" altLang="en-US" dirty="0"/>
-          </a:p>
-        </p:txBody>
-      </p:sp>
-      <p:sp>
-        <p:nvSpPr>
-          <p:cNvPr id="3" name="内容占位符 2"/>
-          <p:cNvSpPr>
-            <a:spLocks noGrp="1"/>
-          </p:cNvSpPr>
-          <p:nvPr>
-            <p:ph idx="1"/>
-          </p:nvPr>
-        </p:nvSpPr>
-        <p:spPr/>
-        <p:txBody>
-          <a:bodyPr/>
-          <a:lstStyle/>
-          <a:p>
-            <a:r>
-              <a:rPr lang="en-US" altLang="zh-CN" dirty="0"/>
-              <a:t>This module adds the minimum classes to </a:t>
-            </a:r>
-            <a:r>
-              <a:rPr lang="en-US" altLang="zh-CN" dirty="0" err="1"/>
-              <a:t>RxJava</a:t>
-            </a:r>
-            <a:r>
-              <a:rPr lang="en-US" altLang="zh-CN" dirty="0"/>
-              <a:t> that make writing reactive components in Android applications easy and hassle-free. More specifically, it provides a Scheduler that schedules on the main UI thread or any given Handler</a:t>
-            </a:r>
-            <a:r>
-              <a:rPr lang="en-US" altLang="zh-CN" dirty="0" smtClean="0"/>
-              <a:t>.</a:t>
-            </a:r>
-          </a:p>
-          <a:p>
-            <a:r>
-              <a:rPr lang="zh-CN" altLang="en-US" dirty="0"/>
-              <a:t>调度器</a:t>
-            </a:r>
+              <a:rPr lang="zh-CN" altLang="en-US" sz="1600" dirty="0"/>
+              <a:t>图</a:t>
+            </a:r>
+            <a:r>
+              <a:rPr lang="en-US" altLang="zh-CN" sz="1600" dirty="0" smtClean="0"/>
+              <a:t>1-1 Map</a:t>
+            </a:r>
+            <a:r>
+              <a:rPr lang="zh-CN" altLang="en-US" sz="1600" dirty="0" smtClean="0"/>
+              <a:t>示意</a:t>
+            </a:r>
+            <a:r>
+              <a:rPr lang="zh-CN" altLang="en-US" sz="1600" dirty="0"/>
+              <a:t>图</a:t>
+            </a:r>
+            <a:endParaRPr lang="en-US" altLang="zh-CN" sz="1600" dirty="0" smtClean="0"/>
+          </a:p>
+        </p:txBody>
+      </p:sp>
+      <p:pic>
+        <p:nvPicPr>
+          <p:cNvPr id="6" name="图片 5"/>
+          <p:cNvPicPr>
+            <a:picLocks noChangeAspect="1"/>
+          </p:cNvPicPr>
+          <p:nvPr/>
+        </p:nvPicPr>
+        <p:blipFill>
+          <a:blip r:embed="rId3">
+            <a:extLst>
+              <a:ext uri="{28A0092B-C50C-407E-A947-70E740481C1C}">
+                <a14:useLocalDpi xmlns:a14="http://schemas.microsoft.com/office/drawing/2010/main" val="0"/>
+              </a:ext>
+            </a:extLst>
+          </a:blip>
+          <a:stretch>
+            <a:fillRect/>
+          </a:stretch>
+        </p:blipFill>
+        <p:spPr>
+          <a:xfrm>
+            <a:off x="4139952" y="3068960"/>
+            <a:ext cx="4492201" cy="3496430"/>
+          </a:xfrm>
+          <a:prstGeom prst="rect">
+            <a:avLst/>
+          </a:prstGeom>
+        </p:spPr>
+      </p:pic>
+      <p:sp>
+        <p:nvSpPr>
+          <p:cNvPr id="7" name="TextBox 6"/>
+          <p:cNvSpPr txBox="1"/>
+          <p:nvPr/>
+        </p:nvSpPr>
+        <p:spPr>
+          <a:xfrm>
+            <a:off x="5652120" y="2403108"/>
+            <a:ext cx="1547218" cy="338554"/>
+          </a:xfrm>
+          <a:prstGeom prst="rect">
+            <a:avLst/>
+          </a:prstGeom>
+          <a:noFill/>
+        </p:spPr>
+        <p:txBody>
+          <a:bodyPr wrap="none" rtlCol="0">
+            <a:spAutoFit/>
+          </a:bodyPr>
+          <a:lstStyle/>
+          <a:p>
+            <a:r>
+              <a:rPr lang="zh-CN" altLang="en-US" sz="1600" dirty="0" smtClean="0"/>
+              <a:t>图</a:t>
+            </a:r>
+            <a:r>
+              <a:rPr lang="en-US" altLang="zh-CN" sz="1600" dirty="0" smtClean="0"/>
+              <a:t>1-2 lift</a:t>
+            </a:r>
+            <a:r>
+              <a:rPr lang="zh-CN" altLang="en-US" sz="1600" dirty="0" smtClean="0"/>
+              <a:t>原理图</a:t>
+            </a:r>
+            <a:endParaRPr lang="en-US" altLang="zh-CN" sz="1600" dirty="0" smtClean="0"/>
           </a:p>
         </p:txBody>
       </p:sp>
     </p:spTree>
     <p:extLst>
       <p:ext uri="{BB962C8B-B14F-4D97-AF65-F5344CB8AC3E}">
-        <p14:creationId xmlns:p14="http://schemas.microsoft.com/office/powerpoint/2010/main" val="3100478039"/>
+        <p14:creationId xmlns:p14="http://schemas.microsoft.com/office/powerpoint/2010/main" val="1933232329"/>
       </p:ext>
     </p:extLst>
   </p:cSld>
